--- a/UnitTesting.pptx
+++ b/UnitTesting.pptx
@@ -33,13 +33,13 @@
     <p:sldId id="332" r:id="rId57"/>
     <p:sldId id="341" r:id="rId58"/>
     <p:sldId id="308" r:id="rId59"/>
-    <p:sldId id="340" r:id="rId60"/>
+    <p:sldId id="298" r:id="rId60"/>
     <p:sldId id="339" r:id="rId61"/>
-    <p:sldId id="298" r:id="rId62"/>
-    <p:sldId id="300" r:id="rId63"/>
-    <p:sldId id="318" r:id="rId64"/>
-    <p:sldId id="320" r:id="rId65"/>
-    <p:sldId id="321" r:id="rId66"/>
+    <p:sldId id="300" r:id="rId62"/>
+    <p:sldId id="318" r:id="rId63"/>
+    <p:sldId id="320" r:id="rId64"/>
+    <p:sldId id="321" r:id="rId65"/>
+    <p:sldId id="340" r:id="rId66"/>
   </p:sldIdLst>
   <p:sldSz cx="12192000" cy="6858000"/>
   <p:notesSz cx="6858000" cy="9144000"/>
@@ -168,13 +168,13 @@
             <p14:sldId id="332"/>
             <p14:sldId id="341"/>
             <p14:sldId id="308"/>
-            <p14:sldId id="340"/>
+            <p14:sldId id="298"/>
             <p14:sldId id="339"/>
-            <p14:sldId id="298"/>
             <p14:sldId id="300"/>
             <p14:sldId id="318"/>
             <p14:sldId id="320"/>
             <p14:sldId id="321"/>
+            <p14:sldId id="340"/>
           </p14:sldIdLst>
         </p14:section>
       </p14:sectionLst>
@@ -280,7 +280,7 @@
           <a:p>
             <a:fld id="{46C003B6-BCEA-46F3-841E-7B3EC6052E68}" type="datetimeFigureOut">
               <a:rPr lang="en-BE" smtClean="0"/>
-              <a:t>24/08/2022</a:t>
+              <a:t>25/08/2022</a:t>
             </a:fld>
             <a:endParaRPr lang="en-BE"/>
           </a:p>
@@ -3338,6 +3338,13 @@
               <a:rPr lang="en-US" dirty="0"/>
               <a:t>The Refactor step is often indicated as “Remove Duplication”.</a:t>
             </a:r>
+            <a:br>
+              <a:rPr lang="en-US" dirty="0"/>
+            </a:br>
+            <a:r>
+              <a:rPr lang="en-US" dirty="0"/>
+              <a:t>Logically TTD results in 100% coverage</a:t>
+            </a:r>
           </a:p>
           <a:p>
             <a:pPr marL="0" indent="0">
@@ -3353,7 +3360,27 @@
             </a:pPr>
             <a:r>
               <a:rPr lang="en-US" dirty="0"/>
-              <a:t>Continuous small improvements when you are stuck on a difficult problem.</a:t>
+              <a:t>TDD can be used for the entire system</a:t>
+            </a:r>
+          </a:p>
+          <a:p>
+            <a:pPr marL="0" indent="0">
+              <a:buFont typeface="Arial" panose="020B0604020202020204" pitchFamily="34" charset="0"/>
+              <a:buNone/>
+            </a:pPr>
+            <a:r>
+              <a:rPr lang="en-US" dirty="0"/>
+              <a:t>OR</a:t>
+            </a:r>
+          </a:p>
+          <a:p>
+            <a:pPr marL="0" indent="0">
+              <a:buFont typeface="Arial" panose="020B0604020202020204" pitchFamily="34" charset="0"/>
+              <a:buNone/>
+            </a:pPr>
+            <a:r>
+              <a:rPr lang="en-US" dirty="0"/>
+              <a:t>Take advantage of continuous small improvements when you are stuck on a difficult piece of code.</a:t>
             </a:r>
           </a:p>
           <a:p>
@@ -3482,17 +3509,85 @@
             </a:r>
           </a:p>
           <a:p>
-            <a:pPr marL="0" indent="0">
-              <a:buFont typeface="Arial" panose="020B0604020202020204" pitchFamily="34" charset="0"/>
-              <a:buNone/>
+            <a:pPr marL="171450" indent="-171450">
+              <a:buFont typeface="Wingdings" panose="05000000000000000000" pitchFamily="2" charset="2"/>
+              <a:buChar char="à"/>
             </a:pPr>
             <a:r>
               <a:rPr lang="en-US" b="0" dirty="0">
                 <a:sym typeface="Wingdings" panose="05000000000000000000" pitchFamily="2" charset="2"/>
               </a:rPr>
-              <a:t> Write tests until fear is transformed into boredom.</a:t>
-            </a:r>
-            <a:endParaRPr lang="en-US" b="0" dirty="0"/>
+              <a:t>Write tests until fear is transformed into boredom.</a:t>
+            </a:r>
+          </a:p>
+          <a:p>
+            <a:pPr marL="171450" indent="-171450">
+              <a:buFont typeface="Wingdings" panose="05000000000000000000" pitchFamily="2" charset="2"/>
+              <a:buChar char="à"/>
+            </a:pPr>
+            <a:endParaRPr lang="en-US" b="0" dirty="0">
+              <a:sym typeface="Wingdings" panose="05000000000000000000" pitchFamily="2" charset="2"/>
+            </a:endParaRPr>
+          </a:p>
+          <a:p>
+            <a:pPr marL="0" indent="0">
+              <a:buFont typeface="Wingdings" panose="05000000000000000000" pitchFamily="2" charset="2"/>
+              <a:buNone/>
+            </a:pPr>
+            <a:r>
+              <a:rPr lang="en-US" b="1" dirty="0">
+                <a:sym typeface="Wingdings" panose="05000000000000000000" pitchFamily="2" charset="2"/>
+              </a:rPr>
+              <a:t>Useless Tests:</a:t>
+            </a:r>
+          </a:p>
+          <a:p>
+            <a:pPr marL="0" indent="0">
+              <a:buFont typeface="Wingdings" panose="05000000000000000000" pitchFamily="2" charset="2"/>
+              <a:buNone/>
+            </a:pPr>
+            <a:r>
+              <a:rPr lang="en-US" b="0" dirty="0"/>
+              <a:t>Personal opinion: if you like working TDD, go for it</a:t>
+            </a:r>
+          </a:p>
+          <a:p>
+            <a:pPr marL="0" indent="0">
+              <a:buFont typeface="Wingdings" panose="05000000000000000000" pitchFamily="2" charset="2"/>
+              <a:buNone/>
+            </a:pPr>
+            <a:r>
+              <a:rPr lang="en-US" b="0" dirty="0"/>
+              <a:t>If you don’t like it:</a:t>
+            </a:r>
+          </a:p>
+          <a:p>
+            <a:pPr marL="171450" indent="-171450">
+              <a:buFontTx/>
+              <a:buChar char="-"/>
+            </a:pPr>
+            <a:r>
+              <a:rPr lang="en-US" b="0" dirty="0"/>
+              <a:t>Still consider using it when you are stuck and can’t seem to make progress</a:t>
+            </a:r>
+          </a:p>
+          <a:p>
+            <a:pPr marL="171450" indent="-171450">
+              <a:buFontTx/>
+              <a:buChar char="-"/>
+            </a:pPr>
+            <a:r>
+              <a:rPr lang="en-US" b="0" dirty="0"/>
+              <a:t>But most importantly: not doing TDD does not mean you can skip the </a:t>
+            </a:r>
+            <a:r>
+              <a:rPr lang="en-US" b="0" dirty="0" err="1"/>
+              <a:t>UnitTest</a:t>
+            </a:r>
+            <a:r>
+              <a:rPr lang="en-US" b="0" dirty="0"/>
+              <a:t> suite entirely</a:t>
+            </a:r>
           </a:p>
         </p:txBody>
       </p:sp>
@@ -3580,6 +3675,10 @@
               <a:buFont typeface="Arial" panose="020B0604020202020204" pitchFamily="34" charset="0"/>
               <a:buNone/>
             </a:pPr>
+            <a:r>
+              <a:rPr lang="en-US" dirty="0"/>
+              <a:t>No matter how much testing is done on each level of the testing pyramid, no system is entirely bug free.</a:t>
+            </a:r>
             <a:endParaRPr lang="en-BE" dirty="0"/>
           </a:p>
         </p:txBody>
@@ -3698,7 +3797,7 @@
     </p:spTree>
     <p:extLst>
       <p:ext uri="{BB962C8B-B14F-4D97-AF65-F5344CB8AC3E}">
-        <p14:creationId xmlns:p14="http://schemas.microsoft.com/office/powerpoint/2010/main" val="2129484117"/>
+        <p14:creationId xmlns:p14="http://schemas.microsoft.com/office/powerpoint/2010/main" val="972816635"/>
       </p:ext>
     </p:extLst>
   </p:cSld>
@@ -3874,7 +3973,7 @@
     </p:spTree>
     <p:extLst>
       <p:ext uri="{BB962C8B-B14F-4D97-AF65-F5344CB8AC3E}">
-        <p14:creationId xmlns:p14="http://schemas.microsoft.com/office/powerpoint/2010/main" val="972816635"/>
+        <p14:creationId xmlns:p14="http://schemas.microsoft.com/office/powerpoint/2010/main" val="604354376"/>
       </p:ext>
     </p:extLst>
   </p:cSld>
@@ -3962,7 +4061,7 @@
     </p:spTree>
     <p:extLst>
       <p:ext uri="{BB962C8B-B14F-4D97-AF65-F5344CB8AC3E}">
-        <p14:creationId xmlns:p14="http://schemas.microsoft.com/office/powerpoint/2010/main" val="604354376"/>
+        <p14:creationId xmlns:p14="http://schemas.microsoft.com/office/powerpoint/2010/main" val="1717887807"/>
       </p:ext>
     </p:extLst>
   </p:cSld>
@@ -4138,7 +4237,7 @@
     </p:spTree>
     <p:extLst>
       <p:ext uri="{BB962C8B-B14F-4D97-AF65-F5344CB8AC3E}">
-        <p14:creationId xmlns:p14="http://schemas.microsoft.com/office/powerpoint/2010/main" val="1717887807"/>
+        <p14:creationId xmlns:p14="http://schemas.microsoft.com/office/powerpoint/2010/main" val="525741611"/>
       </p:ext>
     </p:extLst>
   </p:cSld>
@@ -4226,7 +4325,7 @@
     </p:spTree>
     <p:extLst>
       <p:ext uri="{BB962C8B-B14F-4D97-AF65-F5344CB8AC3E}">
-        <p14:creationId xmlns:p14="http://schemas.microsoft.com/office/powerpoint/2010/main" val="525741611"/>
+        <p14:creationId xmlns:p14="http://schemas.microsoft.com/office/powerpoint/2010/main" val="2051738669"/>
       </p:ext>
     </p:extLst>
   </p:cSld>
@@ -4314,7 +4413,7 @@
     </p:spTree>
     <p:extLst>
       <p:ext uri="{BB962C8B-B14F-4D97-AF65-F5344CB8AC3E}">
-        <p14:creationId xmlns:p14="http://schemas.microsoft.com/office/powerpoint/2010/main" val="2051738669"/>
+        <p14:creationId xmlns:p14="http://schemas.microsoft.com/office/powerpoint/2010/main" val="2129484117"/>
       </p:ext>
     </p:extLst>
   </p:cSld>
@@ -4372,6 +4471,20 @@
               <a:buFont typeface="Arial" panose="020B0604020202020204" pitchFamily="34" charset="0"/>
               <a:buNone/>
             </a:pPr>
+            <a:r>
+              <a:rPr lang="en-US" b="1" dirty="0"/>
+              <a:t>What – A Definition:</a:t>
+            </a:r>
+          </a:p>
+          <a:p>
+            <a:pPr marL="0" indent="0">
+              <a:buFont typeface="Arial" panose="020B0604020202020204" pitchFamily="34" charset="0"/>
+              <a:buNone/>
+            </a:pPr>
+            <a:r>
+              <a:rPr lang="en-US" dirty="0"/>
+              <a:t>Unit testing is the process of writing code to test the behavior and functionality of your system.</a:t>
+            </a:r>
             <a:endParaRPr lang="en-BE" dirty="0"/>
           </a:p>
         </p:txBody>
@@ -4544,7 +4657,23 @@
             </a:r>
             <a:r>
               <a:rPr lang="en-US" dirty="0"/>
-              <a:t> suite at all. You can force running the tests locally at some point (ex when pushing code with Git Hooks) but there is no guarantee that all </a:t>
+              <a:t> suite at all. You can force running the tests </a:t>
+            </a:r>
+            <a:r>
+              <a:rPr lang="en-US" b="1" dirty="0"/>
+              <a:t>locally</a:t>
+            </a:r>
+            <a:r>
+              <a:rPr lang="en-US" dirty="0"/>
+              <a:t> at some point (ex when pushing code with </a:t>
+            </a:r>
+            <a:r>
+              <a:rPr lang="en-US" b="1" dirty="0"/>
+              <a:t>Git Hooks</a:t>
+            </a:r>
+            <a:r>
+              <a:rPr lang="en-US" dirty="0"/>
+              <a:t>) but there is no guarantee that all </a:t>
             </a:r>
             <a:r>
               <a:rPr lang="en-US" dirty="0" err="1"/>
@@ -5864,7 +5993,7 @@
             <a:fld id="{B61BEF0D-F0BB-DE4B-95CE-6DB70DBA9567}" type="datetimeFigureOut">
               <a:rPr lang="en-US" dirty="0"/>
               <a:pPr/>
-              <a:t>8/24/2022</a:t>
+              <a:t>8/25/2022</a:t>
             </a:fld>
             <a:endParaRPr lang="en-US" dirty="0"/>
           </a:p>
@@ -6152,7 +6281,7 @@
             <a:fld id="{B61BEF0D-F0BB-DE4B-95CE-6DB70DBA9567}" type="datetimeFigureOut">
               <a:rPr lang="en-US" dirty="0"/>
               <a:pPr/>
-              <a:t>8/24/2022</a:t>
+              <a:t>8/25/2022</a:t>
             </a:fld>
             <a:endParaRPr lang="en-US" dirty="0"/>
           </a:p>
@@ -6397,7 +6526,7 @@
             <a:fld id="{B61BEF0D-F0BB-DE4B-95CE-6DB70DBA9567}" type="datetimeFigureOut">
               <a:rPr lang="en-US" dirty="0"/>
               <a:pPr/>
-              <a:t>8/24/2022</a:t>
+              <a:t>8/25/2022</a:t>
             </a:fld>
             <a:endParaRPr lang="en-US" dirty="0"/>
           </a:p>
@@ -6930,7 +7059,7 @@
             <a:fld id="{B61BEF0D-F0BB-DE4B-95CE-6DB70DBA9567}" type="datetimeFigureOut">
               <a:rPr lang="en-US" dirty="0"/>
               <a:pPr/>
-              <a:t>8/24/2022</a:t>
+              <a:t>8/25/2022</a:t>
             </a:fld>
             <a:endParaRPr lang="en-US" dirty="0"/>
           </a:p>
@@ -7175,7 +7304,7 @@
             <a:fld id="{B61BEF0D-F0BB-DE4B-95CE-6DB70DBA9567}" type="datetimeFigureOut">
               <a:rPr lang="en-US" dirty="0"/>
               <a:pPr/>
-              <a:t>8/24/2022</a:t>
+              <a:t>8/25/2022</a:t>
             </a:fld>
             <a:endParaRPr lang="en-US" dirty="0"/>
           </a:p>
@@ -7715,7 +7844,7 @@
             <a:fld id="{B61BEF0D-F0BB-DE4B-95CE-6DB70DBA9567}" type="datetimeFigureOut">
               <a:rPr lang="en-US" dirty="0"/>
               <a:pPr/>
-              <a:t>8/24/2022</a:t>
+              <a:t>8/25/2022</a:t>
             </a:fld>
             <a:endParaRPr lang="en-US" dirty="0"/>
           </a:p>
@@ -8022,7 +8151,7 @@
             <a:fld id="{B61BEF0D-F0BB-DE4B-95CE-6DB70DBA9567}" type="datetimeFigureOut">
               <a:rPr lang="en-US" dirty="0"/>
               <a:pPr/>
-              <a:t>8/24/2022</a:t>
+              <a:t>8/25/2022</a:t>
             </a:fld>
             <a:endParaRPr lang="en-US" dirty="0"/>
           </a:p>
@@ -8194,7 +8323,7 @@
             <a:fld id="{B61BEF0D-F0BB-DE4B-95CE-6DB70DBA9567}" type="datetimeFigureOut">
               <a:rPr lang="en-US" dirty="0"/>
               <a:pPr/>
-              <a:t>8/24/2022</a:t>
+              <a:t>8/25/2022</a:t>
             </a:fld>
             <a:endParaRPr lang="en-US" dirty="0"/>
           </a:p>
@@ -8371,7 +8500,7 @@
             <a:fld id="{B61BEF0D-F0BB-DE4B-95CE-6DB70DBA9567}" type="datetimeFigureOut">
               <a:rPr lang="en-US" dirty="0"/>
               <a:pPr/>
-              <a:t>8/24/2022</a:t>
+              <a:t>8/25/2022</a:t>
             </a:fld>
             <a:endParaRPr lang="en-US" dirty="0"/>
           </a:p>
@@ -8538,7 +8667,7 @@
             <a:fld id="{B61BEF0D-F0BB-DE4B-95CE-6DB70DBA9567}" type="datetimeFigureOut">
               <a:rPr lang="en-US" dirty="0"/>
               <a:pPr/>
-              <a:t>8/24/2022</a:t>
+              <a:t>8/25/2022</a:t>
             </a:fld>
             <a:endParaRPr lang="en-US" dirty="0"/>
           </a:p>
@@ -8781,7 +8910,7 @@
             <a:fld id="{B61BEF0D-F0BB-DE4B-95CE-6DB70DBA9567}" type="datetimeFigureOut">
               <a:rPr lang="en-US" dirty="0"/>
               <a:pPr/>
-              <a:t>8/24/2022</a:t>
+              <a:t>8/25/2022</a:t>
             </a:fld>
             <a:endParaRPr lang="en-US" dirty="0"/>
           </a:p>
@@ -9070,7 +9199,7 @@
             <a:fld id="{B61BEF0D-F0BB-DE4B-95CE-6DB70DBA9567}" type="datetimeFigureOut">
               <a:rPr lang="en-US" dirty="0"/>
               <a:pPr/>
-              <a:t>8/24/2022</a:t>
+              <a:t>8/25/2022</a:t>
             </a:fld>
             <a:endParaRPr lang="en-US" dirty="0"/>
           </a:p>
@@ -9497,7 +9626,7 @@
             <a:fld id="{B61BEF0D-F0BB-DE4B-95CE-6DB70DBA9567}" type="datetimeFigureOut">
               <a:rPr lang="en-US" dirty="0"/>
               <a:pPr/>
-              <a:t>8/24/2022</a:t>
+              <a:t>8/25/2022</a:t>
             </a:fld>
             <a:endParaRPr lang="en-US" dirty="0"/>
           </a:p>
@@ -9617,7 +9746,7 @@
             <a:fld id="{B61BEF0D-F0BB-DE4B-95CE-6DB70DBA9567}" type="datetimeFigureOut">
               <a:rPr lang="en-US" dirty="0"/>
               <a:pPr/>
-              <a:t>8/24/2022</a:t>
+              <a:t>8/25/2022</a:t>
             </a:fld>
             <a:endParaRPr lang="en-US" dirty="0"/>
           </a:p>
@@ -9709,7 +9838,7 @@
             <a:fld id="{B61BEF0D-F0BB-DE4B-95CE-6DB70DBA9567}" type="datetimeFigureOut">
               <a:rPr lang="en-US" dirty="0"/>
               <a:pPr/>
-              <a:t>8/24/2022</a:t>
+              <a:t>8/25/2022</a:t>
             </a:fld>
             <a:endParaRPr lang="en-US" dirty="0"/>
           </a:p>
@@ -9989,7 +10118,7 @@
             <a:fld id="{B61BEF0D-F0BB-DE4B-95CE-6DB70DBA9567}" type="datetimeFigureOut">
               <a:rPr lang="en-US" dirty="0"/>
               <a:pPr/>
-              <a:t>8/24/2022</a:t>
+              <a:t>8/25/2022</a:t>
             </a:fld>
             <a:endParaRPr lang="en-US" dirty="0"/>
           </a:p>
@@ -10277,7 +10406,7 @@
             <a:fld id="{B61BEF0D-F0BB-DE4B-95CE-6DB70DBA9567}" type="datetimeFigureOut">
               <a:rPr lang="en-US" dirty="0"/>
               <a:pPr/>
-              <a:t>8/24/2022</a:t>
+              <a:t>8/25/2022</a:t>
             </a:fld>
             <a:endParaRPr lang="en-US" dirty="0"/>
           </a:p>
@@ -10505,7 +10634,7 @@
             <a:fld id="{B61BEF0D-F0BB-DE4B-95CE-6DB70DBA9567}" type="datetimeFigureOut">
               <a:rPr lang="en-US" dirty="0"/>
               <a:pPr/>
-              <a:t>8/24/2022</a:t>
+              <a:t>8/25/2022</a:t>
             </a:fld>
             <a:endParaRPr lang="en-US" dirty="0"/>
           </a:p>
@@ -15071,298 +15200,6 @@
       </p:pic>
       <p:sp>
         <p:nvSpPr>
-          <p:cNvPr id="4" name="Title 3">
-            <a:extLst>
-              <a:ext uri="{FF2B5EF4-FFF2-40B4-BE49-F238E27FC236}">
-                <a16:creationId xmlns:a16="http://schemas.microsoft.com/office/drawing/2014/main" id="{29D87857-8B86-4E40-B4FD-6ECD4DA8BEC6}"/>
-              </a:ext>
-            </a:extLst>
-          </p:cNvPr>
-          <p:cNvSpPr>
-            <a:spLocks noGrp="1"/>
-          </p:cNvSpPr>
-          <p:nvPr>
-            <p:ph type="ctrTitle"/>
-          </p:nvPr>
-        </p:nvSpPr>
-        <p:spPr>
-          <a:xfrm>
-            <a:off x="420888" y="838705"/>
-            <a:ext cx="11542512" cy="860893"/>
-          </a:xfrm>
-        </p:spPr>
-        <p:txBody>
-          <a:bodyPr/>
-          <a:lstStyle/>
-          <a:p>
-            <a:r>
-              <a:rPr lang="fr-BE" dirty="0"/>
-              <a:t>Example</a:t>
-            </a:r>
-            <a:endParaRPr lang="en-BE" dirty="0"/>
-          </a:p>
-        </p:txBody>
-      </p:sp>
-      <p:sp>
-        <p:nvSpPr>
-          <p:cNvPr id="3" name="TextBox 2">
-            <a:extLst>
-              <a:ext uri="{FF2B5EF4-FFF2-40B4-BE49-F238E27FC236}">
-                <a16:creationId xmlns:a16="http://schemas.microsoft.com/office/drawing/2014/main" id="{8D7F2BCF-C00A-DB3B-11EB-B1FFF692D8EE}"/>
-              </a:ext>
-            </a:extLst>
-          </p:cNvPr>
-          <p:cNvSpPr txBox="1"/>
-          <p:nvPr/>
-        </p:nvSpPr>
-        <p:spPr>
-          <a:xfrm>
-            <a:off x="420888" y="1956230"/>
-            <a:ext cx="11891919" cy="847604"/>
-          </a:xfrm>
-          <a:prstGeom prst="rect">
-            <a:avLst/>
-          </a:prstGeom>
-          <a:noFill/>
-        </p:spPr>
-        <p:txBody>
-          <a:bodyPr wrap="square" rtlCol="0">
-            <a:spAutoFit/>
-          </a:bodyPr>
-          <a:lstStyle/>
-          <a:p>
-            <a:pPr lvl="0">
-              <a:lnSpc>
-                <a:spcPct val="107000"/>
-              </a:lnSpc>
-            </a:pPr>
-            <a:r>
-              <a:rPr lang="en-US" sz="4800" dirty="0">
-                <a:effectLst/>
-                <a:latin typeface="Calibri" panose="020F0502020204030204" pitchFamily="34" charset="0"/>
-                <a:ea typeface="Calibri" panose="020F0502020204030204" pitchFamily="34" charset="0"/>
-                <a:cs typeface="Times New Roman" panose="02020603050405020304" pitchFamily="18" charset="0"/>
-              </a:rPr>
-              <a:t>There are some examples with Jasmine (JS)</a:t>
-            </a:r>
-            <a:endParaRPr lang="en-BE" sz="4800" dirty="0">
-              <a:effectLst/>
-              <a:latin typeface="Calibri" panose="020F0502020204030204" pitchFamily="34" charset="0"/>
-              <a:ea typeface="Calibri" panose="020F0502020204030204" pitchFamily="34" charset="0"/>
-              <a:cs typeface="Times New Roman" panose="02020603050405020304" pitchFamily="18" charset="0"/>
-            </a:endParaRPr>
-          </a:p>
-        </p:txBody>
-      </p:sp>
-    </p:spTree>
-    <p:extLst>
-      <p:ext uri="{BB962C8B-B14F-4D97-AF65-F5344CB8AC3E}">
-        <p14:creationId xmlns:p14="http://schemas.microsoft.com/office/powerpoint/2010/main" val="3261982982"/>
-      </p:ext>
-    </p:extLst>
-  </p:cSld>
-  <p:clrMapOvr>
-    <a:masterClrMapping/>
-  </p:clrMapOvr>
-</p:sld>
-</file>
-
-<file path=ppt/slides/slide27.xml><?xml version="1.0" encoding="utf-8"?>
-<p:sld xmlns:a="http://schemas.openxmlformats.org/drawingml/2006/main" xmlns:r="http://schemas.openxmlformats.org/officeDocument/2006/relationships" xmlns:p="http://schemas.openxmlformats.org/presentationml/2006/main">
-  <p:cSld>
-    <p:spTree>
-      <p:nvGrpSpPr>
-        <p:cNvPr id="1" name=""/>
-        <p:cNvGrpSpPr/>
-        <p:nvPr/>
-      </p:nvGrpSpPr>
-      <p:grpSpPr>
-        <a:xfrm>
-          <a:off x="0" y="0"/>
-          <a:ext cx="0" cy="0"/>
-          <a:chOff x="0" y="0"/>
-          <a:chExt cx="0" cy="0"/>
-        </a:xfrm>
-      </p:grpSpPr>
-      <p:pic>
-        <p:nvPicPr>
-          <p:cNvPr id="6" name="Picture 5">
-            <a:extLst>
-              <a:ext uri="{FF2B5EF4-FFF2-40B4-BE49-F238E27FC236}">
-                <a16:creationId xmlns:a16="http://schemas.microsoft.com/office/drawing/2014/main" id="{7D1150AD-E424-490F-A3E6-147D047AF505}"/>
-              </a:ext>
-            </a:extLst>
-          </p:cNvPr>
-          <p:cNvPicPr>
-            <a:picLocks noChangeAspect="1"/>
-          </p:cNvPicPr>
-          <p:nvPr>
-            <p:custDataLst>
-              <p:custData r:id="rId1"/>
-            </p:custDataLst>
-          </p:nvPr>
-        </p:nvPicPr>
-        <p:blipFill>
-          <a:blip r:embed="rId4"/>
-          <a:stretch>
-            <a:fillRect/>
-          </a:stretch>
-        </p:blipFill>
-        <p:spPr>
-          <a:xfrm>
-            <a:off x="-88884" y="-22188"/>
-            <a:ext cx="3183776" cy="860893"/>
-          </a:xfrm>
-          <a:prstGeom prst="rect">
-            <a:avLst/>
-          </a:prstGeom>
-        </p:spPr>
-      </p:pic>
-      <p:sp>
-        <p:nvSpPr>
-          <p:cNvPr id="5" name="AutoShape 4" descr="Serverless Vs Containers Deploy Speeds">
-            <a:extLst>
-              <a:ext uri="{FF2B5EF4-FFF2-40B4-BE49-F238E27FC236}">
-                <a16:creationId xmlns:a16="http://schemas.microsoft.com/office/drawing/2014/main" id="{74838526-8A97-43C5-AA2E-50438D453F15}"/>
-              </a:ext>
-            </a:extLst>
-          </p:cNvPr>
-          <p:cNvSpPr>
-            <a:spLocks noChangeAspect="1" noChangeArrowheads="1"/>
-          </p:cNvSpPr>
-          <p:nvPr/>
-        </p:nvSpPr>
-        <p:spPr bwMode="auto">
-          <a:xfrm>
-            <a:off x="5943599" y="3276599"/>
-            <a:ext cx="2719137" cy="2719137"/>
-          </a:xfrm>
-          <a:prstGeom prst="rect">
-            <a:avLst/>
-          </a:prstGeom>
-          <a:noFill/>
-          <a:extLst>
-            <a:ext uri="{909E8E84-426E-40DD-AFC4-6F175D3DCCD1}">
-              <a14:hiddenFill xmlns:a14="http://schemas.microsoft.com/office/drawing/2010/main">
-                <a:solidFill>
-                  <a:srgbClr val="FFFFFF"/>
-                </a:solidFill>
-              </a14:hiddenFill>
-            </a:ext>
-          </a:extLst>
-        </p:spPr>
-        <p:txBody>
-          <a:bodyPr vert="horz" wrap="square" lIns="91440" tIns="45720" rIns="91440" bIns="45720" numCol="1" anchor="t" anchorCtr="0" compatLnSpc="1">
-            <a:prstTxWarp prst="textNoShape">
-              <a:avLst/>
-            </a:prstTxWarp>
-          </a:bodyPr>
-          <a:lstStyle/>
-          <a:p>
-            <a:endParaRPr lang="en-BE"/>
-          </a:p>
-        </p:txBody>
-      </p:sp>
-      <p:sp>
-        <p:nvSpPr>
-          <p:cNvPr id="4" name="Title 3">
-            <a:extLst>
-              <a:ext uri="{FF2B5EF4-FFF2-40B4-BE49-F238E27FC236}">
-                <a16:creationId xmlns:a16="http://schemas.microsoft.com/office/drawing/2014/main" id="{29D87857-8B86-4E40-B4FD-6ECD4DA8BEC6}"/>
-              </a:ext>
-            </a:extLst>
-          </p:cNvPr>
-          <p:cNvSpPr>
-            <a:spLocks noGrp="1"/>
-          </p:cNvSpPr>
-          <p:nvPr>
-            <p:ph type="ctrTitle"/>
-          </p:nvPr>
-        </p:nvSpPr>
-        <p:spPr>
-          <a:xfrm>
-            <a:off x="324744" y="2846152"/>
-            <a:ext cx="11542512" cy="860893"/>
-          </a:xfrm>
-        </p:spPr>
-        <p:txBody>
-          <a:bodyPr/>
-          <a:lstStyle/>
-          <a:p>
-            <a:r>
-              <a:rPr lang="fr-BE" dirty="0"/>
-              <a:t>Questions?</a:t>
-            </a:r>
-            <a:endParaRPr lang="en-BE" dirty="0"/>
-          </a:p>
-        </p:txBody>
-      </p:sp>
-    </p:spTree>
-    <p:extLst>
-      <p:ext uri="{BB962C8B-B14F-4D97-AF65-F5344CB8AC3E}">
-        <p14:creationId xmlns:p14="http://schemas.microsoft.com/office/powerpoint/2010/main" val="3337442990"/>
-      </p:ext>
-    </p:extLst>
-  </p:cSld>
-  <p:clrMapOvr>
-    <a:masterClrMapping/>
-  </p:clrMapOvr>
-</p:sld>
-</file>
-
-<file path=ppt/slides/slide28.xml><?xml version="1.0" encoding="utf-8"?>
-<p:sld xmlns:a="http://schemas.openxmlformats.org/drawingml/2006/main" xmlns:r="http://schemas.openxmlformats.org/officeDocument/2006/relationships" xmlns:p="http://schemas.openxmlformats.org/presentationml/2006/main">
-  <p:cSld>
-    <p:spTree>
-      <p:nvGrpSpPr>
-        <p:cNvPr id="1" name=""/>
-        <p:cNvGrpSpPr/>
-        <p:nvPr/>
-      </p:nvGrpSpPr>
-      <p:grpSpPr>
-        <a:xfrm>
-          <a:off x="0" y="0"/>
-          <a:ext cx="0" cy="0"/>
-          <a:chOff x="0" y="0"/>
-          <a:chExt cx="0" cy="0"/>
-        </a:xfrm>
-      </p:grpSpPr>
-      <p:pic>
-        <p:nvPicPr>
-          <p:cNvPr id="6" name="Picture 5">
-            <a:extLst>
-              <a:ext uri="{FF2B5EF4-FFF2-40B4-BE49-F238E27FC236}">
-                <a16:creationId xmlns:a16="http://schemas.microsoft.com/office/drawing/2014/main" id="{7D1150AD-E424-490F-A3E6-147D047AF505}"/>
-              </a:ext>
-            </a:extLst>
-          </p:cNvPr>
-          <p:cNvPicPr>
-            <a:picLocks noChangeAspect="1"/>
-          </p:cNvPicPr>
-          <p:nvPr>
-            <p:custDataLst>
-              <p:custData r:id="rId1"/>
-            </p:custDataLst>
-          </p:nvPr>
-        </p:nvPicPr>
-        <p:blipFill>
-          <a:blip r:embed="rId4"/>
-          <a:stretch>
-            <a:fillRect/>
-          </a:stretch>
-        </p:blipFill>
-        <p:spPr>
-          <a:xfrm>
-            <a:off x="-88884" y="-22188"/>
-            <a:ext cx="3183776" cy="860893"/>
-          </a:xfrm>
-          <a:prstGeom prst="rect">
-            <a:avLst/>
-          </a:prstGeom>
-        </p:spPr>
-      </p:pic>
-      <p:sp>
-        <p:nvSpPr>
           <p:cNvPr id="5" name="AutoShape 4" descr="Serverless Vs Containers Deploy Speeds">
             <a:extLst>
               <a:ext uri="{FF2B5EF4-FFF2-40B4-BE49-F238E27FC236}">
@@ -15685,6 +15522,370 @@
 </p:sld>
 </file>
 
+<file path=ppt/slides/slide27.xml><?xml version="1.0" encoding="utf-8"?>
+<p:sld xmlns:a="http://schemas.openxmlformats.org/drawingml/2006/main" xmlns:r="http://schemas.openxmlformats.org/officeDocument/2006/relationships" xmlns:p="http://schemas.openxmlformats.org/presentationml/2006/main">
+  <p:cSld>
+    <p:spTree>
+      <p:nvGrpSpPr>
+        <p:cNvPr id="1" name=""/>
+        <p:cNvGrpSpPr/>
+        <p:nvPr/>
+      </p:nvGrpSpPr>
+      <p:grpSpPr>
+        <a:xfrm>
+          <a:off x="0" y="0"/>
+          <a:ext cx="0" cy="0"/>
+          <a:chOff x="0" y="0"/>
+          <a:chExt cx="0" cy="0"/>
+        </a:xfrm>
+      </p:grpSpPr>
+      <p:pic>
+        <p:nvPicPr>
+          <p:cNvPr id="6" name="Picture 5">
+            <a:extLst>
+              <a:ext uri="{FF2B5EF4-FFF2-40B4-BE49-F238E27FC236}">
+                <a16:creationId xmlns:a16="http://schemas.microsoft.com/office/drawing/2014/main" id="{7D1150AD-E424-490F-A3E6-147D047AF505}"/>
+              </a:ext>
+            </a:extLst>
+          </p:cNvPr>
+          <p:cNvPicPr>
+            <a:picLocks noChangeAspect="1"/>
+          </p:cNvPicPr>
+          <p:nvPr>
+            <p:custDataLst>
+              <p:custData r:id="rId1"/>
+            </p:custDataLst>
+          </p:nvPr>
+        </p:nvPicPr>
+        <p:blipFill>
+          <a:blip r:embed="rId4"/>
+          <a:stretch>
+            <a:fillRect/>
+          </a:stretch>
+        </p:blipFill>
+        <p:spPr>
+          <a:xfrm>
+            <a:off x="-88884" y="-22188"/>
+            <a:ext cx="3183776" cy="860893"/>
+          </a:xfrm>
+          <a:prstGeom prst="rect">
+            <a:avLst/>
+          </a:prstGeom>
+        </p:spPr>
+      </p:pic>
+      <p:sp>
+        <p:nvSpPr>
+          <p:cNvPr id="5" name="AutoShape 4" descr="Serverless Vs Containers Deploy Speeds">
+            <a:extLst>
+              <a:ext uri="{FF2B5EF4-FFF2-40B4-BE49-F238E27FC236}">
+                <a16:creationId xmlns:a16="http://schemas.microsoft.com/office/drawing/2014/main" id="{74838526-8A97-43C5-AA2E-50438D453F15}"/>
+              </a:ext>
+            </a:extLst>
+          </p:cNvPr>
+          <p:cNvSpPr>
+            <a:spLocks noChangeAspect="1" noChangeArrowheads="1"/>
+          </p:cNvSpPr>
+          <p:nvPr/>
+        </p:nvSpPr>
+        <p:spPr bwMode="auto">
+          <a:xfrm>
+            <a:off x="5943599" y="3276599"/>
+            <a:ext cx="2719137" cy="2719137"/>
+          </a:xfrm>
+          <a:prstGeom prst="rect">
+            <a:avLst/>
+          </a:prstGeom>
+          <a:noFill/>
+          <a:extLst>
+            <a:ext uri="{909E8E84-426E-40DD-AFC4-6F175D3DCCD1}">
+              <a14:hiddenFill xmlns:a14="http://schemas.microsoft.com/office/drawing/2010/main">
+                <a:solidFill>
+                  <a:srgbClr val="FFFFFF"/>
+                </a:solidFill>
+              </a14:hiddenFill>
+            </a:ext>
+          </a:extLst>
+        </p:spPr>
+        <p:txBody>
+          <a:bodyPr vert="horz" wrap="square" lIns="91440" tIns="45720" rIns="91440" bIns="45720" numCol="1" anchor="t" anchorCtr="0" compatLnSpc="1">
+            <a:prstTxWarp prst="textNoShape">
+              <a:avLst/>
+            </a:prstTxWarp>
+          </a:bodyPr>
+          <a:lstStyle/>
+          <a:p>
+            <a:endParaRPr lang="en-BE"/>
+          </a:p>
+        </p:txBody>
+      </p:sp>
+      <p:sp>
+        <p:nvSpPr>
+          <p:cNvPr id="4" name="Title 3">
+            <a:extLst>
+              <a:ext uri="{FF2B5EF4-FFF2-40B4-BE49-F238E27FC236}">
+                <a16:creationId xmlns:a16="http://schemas.microsoft.com/office/drawing/2014/main" id="{29D87857-8B86-4E40-B4FD-6ECD4DA8BEC6}"/>
+              </a:ext>
+            </a:extLst>
+          </p:cNvPr>
+          <p:cNvSpPr>
+            <a:spLocks noGrp="1"/>
+          </p:cNvSpPr>
+          <p:nvPr>
+            <p:ph type="ctrTitle"/>
+          </p:nvPr>
+        </p:nvSpPr>
+        <p:spPr>
+          <a:xfrm>
+            <a:off x="324744" y="2846152"/>
+            <a:ext cx="11542512" cy="860893"/>
+          </a:xfrm>
+        </p:spPr>
+        <p:txBody>
+          <a:bodyPr/>
+          <a:lstStyle/>
+          <a:p>
+            <a:r>
+              <a:rPr lang="fr-BE" dirty="0"/>
+              <a:t>Questions?</a:t>
+            </a:r>
+            <a:endParaRPr lang="en-BE" dirty="0"/>
+          </a:p>
+        </p:txBody>
+      </p:sp>
+    </p:spTree>
+    <p:extLst>
+      <p:ext uri="{BB962C8B-B14F-4D97-AF65-F5344CB8AC3E}">
+        <p14:creationId xmlns:p14="http://schemas.microsoft.com/office/powerpoint/2010/main" val="3337442990"/>
+      </p:ext>
+    </p:extLst>
+  </p:cSld>
+  <p:clrMapOvr>
+    <a:masterClrMapping/>
+  </p:clrMapOvr>
+</p:sld>
+</file>
+
+<file path=ppt/slides/slide28.xml><?xml version="1.0" encoding="utf-8"?>
+<p:sld xmlns:a="http://schemas.openxmlformats.org/drawingml/2006/main" xmlns:r="http://schemas.openxmlformats.org/officeDocument/2006/relationships" xmlns:p="http://schemas.openxmlformats.org/presentationml/2006/main">
+  <p:cSld>
+    <p:spTree>
+      <p:nvGrpSpPr>
+        <p:cNvPr id="1" name=""/>
+        <p:cNvGrpSpPr/>
+        <p:nvPr/>
+      </p:nvGrpSpPr>
+      <p:grpSpPr>
+        <a:xfrm>
+          <a:off x="0" y="0"/>
+          <a:ext cx="0" cy="0"/>
+          <a:chOff x="0" y="0"/>
+          <a:chExt cx="0" cy="0"/>
+        </a:xfrm>
+      </p:grpSpPr>
+      <p:pic>
+        <p:nvPicPr>
+          <p:cNvPr id="6" name="Picture 5">
+            <a:extLst>
+              <a:ext uri="{FF2B5EF4-FFF2-40B4-BE49-F238E27FC236}">
+                <a16:creationId xmlns:a16="http://schemas.microsoft.com/office/drawing/2014/main" id="{7D1150AD-E424-490F-A3E6-147D047AF505}"/>
+              </a:ext>
+            </a:extLst>
+          </p:cNvPr>
+          <p:cNvPicPr>
+            <a:picLocks noChangeAspect="1"/>
+          </p:cNvPicPr>
+          <p:nvPr>
+            <p:custDataLst>
+              <p:custData r:id="rId1"/>
+            </p:custDataLst>
+          </p:nvPr>
+        </p:nvPicPr>
+        <p:blipFill>
+          <a:blip r:embed="rId4"/>
+          <a:stretch>
+            <a:fillRect/>
+          </a:stretch>
+        </p:blipFill>
+        <p:spPr>
+          <a:xfrm>
+            <a:off x="-88884" y="-22188"/>
+            <a:ext cx="3183776" cy="860893"/>
+          </a:xfrm>
+          <a:prstGeom prst="rect">
+            <a:avLst/>
+          </a:prstGeom>
+        </p:spPr>
+      </p:pic>
+      <p:sp>
+        <p:nvSpPr>
+          <p:cNvPr id="5" name="AutoShape 4" descr="Serverless Vs Containers Deploy Speeds">
+            <a:extLst>
+              <a:ext uri="{FF2B5EF4-FFF2-40B4-BE49-F238E27FC236}">
+                <a16:creationId xmlns:a16="http://schemas.microsoft.com/office/drawing/2014/main" id="{74838526-8A97-43C5-AA2E-50438D453F15}"/>
+              </a:ext>
+            </a:extLst>
+          </p:cNvPr>
+          <p:cNvSpPr>
+            <a:spLocks noChangeAspect="1" noChangeArrowheads="1"/>
+          </p:cNvSpPr>
+          <p:nvPr/>
+        </p:nvSpPr>
+        <p:spPr bwMode="auto">
+          <a:xfrm>
+            <a:off x="5943599" y="3276599"/>
+            <a:ext cx="2719137" cy="2719137"/>
+          </a:xfrm>
+          <a:prstGeom prst="rect">
+            <a:avLst/>
+          </a:prstGeom>
+          <a:noFill/>
+          <a:extLst>
+            <a:ext uri="{909E8E84-426E-40DD-AFC4-6F175D3DCCD1}">
+              <a14:hiddenFill xmlns:a14="http://schemas.microsoft.com/office/drawing/2010/main">
+                <a:solidFill>
+                  <a:srgbClr val="FFFFFF"/>
+                </a:solidFill>
+              </a14:hiddenFill>
+            </a:ext>
+          </a:extLst>
+        </p:spPr>
+        <p:txBody>
+          <a:bodyPr vert="horz" wrap="square" lIns="91440" tIns="45720" rIns="91440" bIns="45720" numCol="1" anchor="t" anchorCtr="0" compatLnSpc="1">
+            <a:prstTxWarp prst="textNoShape">
+              <a:avLst/>
+            </a:prstTxWarp>
+          </a:bodyPr>
+          <a:lstStyle/>
+          <a:p>
+            <a:endParaRPr lang="en-BE"/>
+          </a:p>
+        </p:txBody>
+      </p:sp>
+      <p:sp>
+        <p:nvSpPr>
+          <p:cNvPr id="4" name="Title 3">
+            <a:extLst>
+              <a:ext uri="{FF2B5EF4-FFF2-40B4-BE49-F238E27FC236}">
+                <a16:creationId xmlns:a16="http://schemas.microsoft.com/office/drawing/2014/main" id="{29D87857-8B86-4E40-B4FD-6ECD4DA8BEC6}"/>
+              </a:ext>
+            </a:extLst>
+          </p:cNvPr>
+          <p:cNvSpPr>
+            <a:spLocks noGrp="1"/>
+          </p:cNvSpPr>
+          <p:nvPr>
+            <p:ph type="ctrTitle"/>
+          </p:nvPr>
+        </p:nvSpPr>
+        <p:spPr>
+          <a:xfrm>
+            <a:off x="172343" y="1061957"/>
+            <a:ext cx="11542512" cy="860893"/>
+          </a:xfrm>
+        </p:spPr>
+        <p:txBody>
+          <a:bodyPr/>
+          <a:lstStyle/>
+          <a:p>
+            <a:r>
+              <a:rPr lang="fr-BE" dirty="0"/>
+              <a:t>Next</a:t>
+            </a:r>
+            <a:endParaRPr lang="en-BE" dirty="0"/>
+          </a:p>
+        </p:txBody>
+      </p:sp>
+      <p:sp>
+        <p:nvSpPr>
+          <p:cNvPr id="8" name="TextBox 7">
+            <a:extLst>
+              <a:ext uri="{FF2B5EF4-FFF2-40B4-BE49-F238E27FC236}">
+                <a16:creationId xmlns:a16="http://schemas.microsoft.com/office/drawing/2014/main" id="{E945BC42-63B2-9B21-BC68-C4B2B0C08A19}"/>
+              </a:ext>
+            </a:extLst>
+          </p:cNvPr>
+          <p:cNvSpPr txBox="1"/>
+          <p:nvPr/>
+        </p:nvSpPr>
+        <p:spPr>
+          <a:xfrm>
+            <a:off x="355384" y="1922850"/>
+            <a:ext cx="11664273" cy="2062103"/>
+          </a:xfrm>
+          <a:prstGeom prst="rect">
+            <a:avLst/>
+          </a:prstGeom>
+          <a:noFill/>
+        </p:spPr>
+        <p:txBody>
+          <a:bodyPr wrap="square" rtlCol="0">
+            <a:spAutoFit/>
+          </a:bodyPr>
+          <a:lstStyle/>
+          <a:p>
+            <a:pPr marL="457200" indent="-457200">
+              <a:buFont typeface="Arial" panose="020B0604020202020204" pitchFamily="34" charset="0"/>
+              <a:buChar char="•"/>
+            </a:pPr>
+            <a:r>
+              <a:rPr lang="en-US" sz="3200" dirty="0"/>
+              <a:t>05/9 : React</a:t>
+            </a:r>
+          </a:p>
+          <a:p>
+            <a:pPr marL="457200" indent="-457200">
+              <a:buFont typeface="Arial" panose="020B0604020202020204" pitchFamily="34" charset="0"/>
+              <a:buChar char="•"/>
+            </a:pPr>
+            <a:r>
+              <a:rPr lang="en-US" sz="3200" dirty="0"/>
+              <a:t>12/9 : Vue</a:t>
+            </a:r>
+          </a:p>
+          <a:p>
+            <a:pPr marL="457200" indent="-457200">
+              <a:buFont typeface="Arial" panose="020B0604020202020204" pitchFamily="34" charset="0"/>
+              <a:buChar char="•"/>
+            </a:pPr>
+            <a:r>
+              <a:rPr lang="en-US" sz="3200" dirty="0"/>
+              <a:t>21/9 : </a:t>
+            </a:r>
+            <a:r>
+              <a:rPr lang="en-US" sz="3200" dirty="0" err="1"/>
+              <a:t>GarbageCollection</a:t>
+            </a:r>
+            <a:r>
+              <a:rPr lang="en-US" sz="3200" dirty="0"/>
+              <a:t> .NET vs Java</a:t>
+            </a:r>
+          </a:p>
+          <a:p>
+            <a:pPr marL="457200" indent="-457200">
+              <a:buFont typeface="Arial" panose="020B0604020202020204" pitchFamily="34" charset="0"/>
+              <a:buChar char="•"/>
+            </a:pPr>
+            <a:r>
+              <a:rPr lang="en-US" sz="3200" dirty="0"/>
+              <a:t>26/9 : RXJS </a:t>
+            </a:r>
+            <a:endParaRPr lang="en-BE" sz="3200" dirty="0"/>
+          </a:p>
+        </p:txBody>
+      </p:sp>
+    </p:spTree>
+    <p:extLst>
+      <p:ext uri="{BB962C8B-B14F-4D97-AF65-F5344CB8AC3E}">
+        <p14:creationId xmlns:p14="http://schemas.microsoft.com/office/powerpoint/2010/main" val="1459133588"/>
+      </p:ext>
+    </p:extLst>
+  </p:cSld>
+  <p:clrMapOvr>
+    <a:masterClrMapping/>
+  </p:clrMapOvr>
+</p:sld>
+</file>
+
 <file path=ppt/slides/slide29.xml><?xml version="1.0" encoding="utf-8"?>
 <p:sld xmlns:a="http://schemas.openxmlformats.org/drawingml/2006/main" xmlns:r="http://schemas.openxmlformats.org/officeDocument/2006/relationships" xmlns:p="http://schemas.openxmlformats.org/presentationml/2006/main">
   <p:cSld>
@@ -15738,51 +15939,6 @@
       </p:pic>
       <p:sp>
         <p:nvSpPr>
-          <p:cNvPr id="5" name="AutoShape 4" descr="Serverless Vs Containers Deploy Speeds">
-            <a:extLst>
-              <a:ext uri="{FF2B5EF4-FFF2-40B4-BE49-F238E27FC236}">
-                <a16:creationId xmlns:a16="http://schemas.microsoft.com/office/drawing/2014/main" id="{74838526-8A97-43C5-AA2E-50438D453F15}"/>
-              </a:ext>
-            </a:extLst>
-          </p:cNvPr>
-          <p:cNvSpPr>
-            <a:spLocks noChangeAspect="1" noChangeArrowheads="1"/>
-          </p:cNvSpPr>
-          <p:nvPr/>
-        </p:nvSpPr>
-        <p:spPr bwMode="auto">
-          <a:xfrm>
-            <a:off x="5943599" y="3276599"/>
-            <a:ext cx="2719137" cy="2719137"/>
-          </a:xfrm>
-          <a:prstGeom prst="rect">
-            <a:avLst/>
-          </a:prstGeom>
-          <a:noFill/>
-          <a:extLst>
-            <a:ext uri="{909E8E84-426E-40DD-AFC4-6F175D3DCCD1}">
-              <a14:hiddenFill xmlns:a14="http://schemas.microsoft.com/office/drawing/2010/main">
-                <a:solidFill>
-                  <a:srgbClr val="FFFFFF"/>
-                </a:solidFill>
-              </a14:hiddenFill>
-            </a:ext>
-          </a:extLst>
-        </p:spPr>
-        <p:txBody>
-          <a:bodyPr vert="horz" wrap="square" lIns="91440" tIns="45720" rIns="91440" bIns="45720" numCol="1" anchor="t" anchorCtr="0" compatLnSpc="1">
-            <a:prstTxWarp prst="textNoShape">
-              <a:avLst/>
-            </a:prstTxWarp>
-          </a:bodyPr>
-          <a:lstStyle/>
-          <a:p>
-            <a:endParaRPr lang="en-BE"/>
-          </a:p>
-        </p:txBody>
-      </p:sp>
-      <p:sp>
-        <p:nvSpPr>
           <p:cNvPr id="4" name="Title 3">
             <a:extLst>
               <a:ext uri="{FF2B5EF4-FFF2-40B4-BE49-F238E27FC236}">
@@ -15799,7 +15955,7 @@
         </p:nvSpPr>
         <p:spPr>
           <a:xfrm>
-            <a:off x="172343" y="1061957"/>
+            <a:off x="420888" y="838705"/>
             <a:ext cx="11542512" cy="860893"/>
           </a:xfrm>
         </p:spPr>
@@ -15809,7 +15965,7 @@
           <a:p>
             <a:r>
               <a:rPr lang="fr-BE" dirty="0"/>
-              <a:t>Next</a:t>
+              <a:t>Piggy Gonzales</a:t>
             </a:r>
             <a:endParaRPr lang="en-BE" dirty="0"/>
           </a:p>
@@ -15817,10 +15973,10 @@
       </p:sp>
       <p:sp>
         <p:nvSpPr>
-          <p:cNvPr id="8" name="TextBox 7">
+          <p:cNvPr id="3" name="TextBox 2">
             <a:extLst>
               <a:ext uri="{FF2B5EF4-FFF2-40B4-BE49-F238E27FC236}">
-                <a16:creationId xmlns:a16="http://schemas.microsoft.com/office/drawing/2014/main" id="{E945BC42-63B2-9B21-BC68-C4B2B0C08A19}"/>
+                <a16:creationId xmlns:a16="http://schemas.microsoft.com/office/drawing/2014/main" id="{8D7F2BCF-C00A-DB3B-11EB-B1FFF692D8EE}"/>
               </a:ext>
             </a:extLst>
           </p:cNvPr>
@@ -15829,8 +15985,8 @@
         </p:nvSpPr>
         <p:spPr>
           <a:xfrm>
-            <a:off x="355384" y="1922850"/>
-            <a:ext cx="11664273" cy="2062103"/>
+            <a:off x="420888" y="1956230"/>
+            <a:ext cx="11891919" cy="4008983"/>
           </a:xfrm>
           <a:prstGeom prst="rect">
             <a:avLst/>
@@ -15843,60 +15999,133 @@
           </a:bodyPr>
           <a:lstStyle/>
           <a:p>
-            <a:pPr marL="457200" indent="-457200">
+            <a:pPr lvl="0">
+              <a:lnSpc>
+                <a:spcPct val="107000"/>
+              </a:lnSpc>
+            </a:pPr>
+            <a:r>
+              <a:rPr lang="en-US" sz="4800" dirty="0">
+                <a:effectLst/>
+                <a:latin typeface="Calibri" panose="020F0502020204030204" pitchFamily="34" charset="0"/>
+                <a:ea typeface="Calibri" panose="020F0502020204030204" pitchFamily="34" charset="0"/>
+                <a:cs typeface="Times New Roman" panose="02020603050405020304" pitchFamily="18" charset="0"/>
+              </a:rPr>
+              <a:t>What to do now:</a:t>
+            </a:r>
+          </a:p>
+          <a:p>
+            <a:pPr marL="685800" lvl="0" indent="-685800">
+              <a:lnSpc>
+                <a:spcPct val="107000"/>
+              </a:lnSpc>
               <a:buFont typeface="Arial" panose="020B0604020202020204" pitchFamily="34" charset="0"/>
               <a:buChar char="•"/>
             </a:pPr>
             <a:r>
-              <a:rPr lang="en-US" sz="3200" dirty="0"/>
-              <a:t>05/9 : React</a:t>
-            </a:r>
-          </a:p>
-          <a:p>
-            <a:pPr marL="457200" indent="-457200">
+              <a:rPr lang="en-US" sz="4800" dirty="0">
+                <a:latin typeface="Calibri" panose="020F0502020204030204" pitchFamily="34" charset="0"/>
+                <a:ea typeface="Calibri" panose="020F0502020204030204" pitchFamily="34" charset="0"/>
+                <a:cs typeface="Times New Roman" panose="02020603050405020304" pitchFamily="18" charset="0"/>
+              </a:rPr>
+              <a:t>Read &amp; Think?</a:t>
+            </a:r>
+          </a:p>
+          <a:p>
+            <a:pPr marL="685800" lvl="0" indent="-685800">
+              <a:lnSpc>
+                <a:spcPct val="107000"/>
+              </a:lnSpc>
               <a:buFont typeface="Arial" panose="020B0604020202020204" pitchFamily="34" charset="0"/>
               <a:buChar char="•"/>
             </a:pPr>
             <a:r>
-              <a:rPr lang="en-US" sz="3200" dirty="0"/>
-              <a:t>12/9 : Vue</a:t>
-            </a:r>
-          </a:p>
-          <a:p>
-            <a:pPr marL="457200" indent="-457200">
+              <a:rPr lang="en-US" sz="4800" dirty="0">
+                <a:effectLst/>
+                <a:latin typeface="Calibri" panose="020F0502020204030204" pitchFamily="34" charset="0"/>
+                <a:ea typeface="Calibri" panose="020F0502020204030204" pitchFamily="34" charset="0"/>
+                <a:cs typeface="Times New Roman" panose="02020603050405020304" pitchFamily="18" charset="0"/>
+              </a:rPr>
+              <a:t>Just get started?</a:t>
+            </a:r>
+          </a:p>
+          <a:p>
+            <a:pPr marL="685800" lvl="0" indent="-685800">
+              <a:lnSpc>
+                <a:spcPct val="107000"/>
+              </a:lnSpc>
               <a:buFont typeface="Arial" panose="020B0604020202020204" pitchFamily="34" charset="0"/>
               <a:buChar char="•"/>
             </a:pPr>
             <a:r>
-              <a:rPr lang="en-US" sz="3200" dirty="0"/>
-              <a:t>21/9 : </a:t>
-            </a:r>
-            <a:r>
-              <a:rPr lang="en-US" sz="3200" dirty="0" err="1"/>
-              <a:t>GarbageCollection</a:t>
-            </a:r>
-            <a:r>
-              <a:rPr lang="en-US" sz="3200" dirty="0"/>
-              <a:t> .NET vs Java</a:t>
-            </a:r>
-          </a:p>
-          <a:p>
-            <a:pPr marL="457200" indent="-457200">
+              <a:rPr lang="en-US" sz="4800" dirty="0">
+                <a:latin typeface="Calibri" panose="020F0502020204030204" pitchFamily="34" charset="0"/>
+                <a:ea typeface="Calibri" panose="020F0502020204030204" pitchFamily="34" charset="0"/>
+                <a:cs typeface="Times New Roman" panose="02020603050405020304" pitchFamily="18" charset="0"/>
+              </a:rPr>
+              <a:t>Setup your environment?</a:t>
+            </a:r>
+          </a:p>
+          <a:p>
+            <a:pPr marL="685800" lvl="0" indent="-685800">
+              <a:lnSpc>
+                <a:spcPct val="107000"/>
+              </a:lnSpc>
               <a:buFont typeface="Arial" panose="020B0604020202020204" pitchFamily="34" charset="0"/>
               <a:buChar char="•"/>
             </a:pPr>
             <a:r>
-              <a:rPr lang="en-US" sz="3200" dirty="0"/>
-              <a:t>26/9 : RXJS </a:t>
-            </a:r>
-            <a:endParaRPr lang="en-BE" sz="3200" dirty="0"/>
-          </a:p>
-        </p:txBody>
-      </p:sp>
+              <a:rPr lang="en-US" sz="4800" dirty="0">
+                <a:effectLst/>
+                <a:latin typeface="Calibri" panose="020F0502020204030204" pitchFamily="34" charset="0"/>
+                <a:ea typeface="Calibri" panose="020F0502020204030204" pitchFamily="34" charset="0"/>
+                <a:cs typeface="Times New Roman" panose="02020603050405020304" pitchFamily="18" charset="0"/>
+              </a:rPr>
+              <a:t>Draw a technical design?</a:t>
+            </a:r>
+            <a:endParaRPr lang="en-BE" sz="4800" dirty="0">
+              <a:effectLst/>
+              <a:latin typeface="Calibri" panose="020F0502020204030204" pitchFamily="34" charset="0"/>
+              <a:ea typeface="Calibri" panose="020F0502020204030204" pitchFamily="34" charset="0"/>
+              <a:cs typeface="Times New Roman" panose="02020603050405020304" pitchFamily="18" charset="0"/>
+            </a:endParaRPr>
+          </a:p>
+        </p:txBody>
+      </p:sp>
+      <p:pic>
+        <p:nvPicPr>
+          <p:cNvPr id="2" name="Picture 1">
+            <a:extLst>
+              <a:ext uri="{FF2B5EF4-FFF2-40B4-BE49-F238E27FC236}">
+                <a16:creationId xmlns:a16="http://schemas.microsoft.com/office/drawing/2014/main" id="{DA5A5759-08C9-F3F5-E4B0-00DE4132344B}"/>
+              </a:ext>
+            </a:extLst>
+          </p:cNvPr>
+          <p:cNvPicPr>
+            <a:picLocks noChangeAspect="1"/>
+          </p:cNvPicPr>
+          <p:nvPr/>
+        </p:nvPicPr>
+        <p:blipFill>
+          <a:blip r:embed="rId5"/>
+          <a:stretch>
+            <a:fillRect/>
+          </a:stretch>
+        </p:blipFill>
+        <p:spPr>
+          <a:xfrm>
+            <a:off x="9781408" y="408258"/>
+            <a:ext cx="1772366" cy="1962943"/>
+          </a:xfrm>
+          <a:prstGeom prst="rect">
+            <a:avLst/>
+          </a:prstGeom>
+        </p:spPr>
+      </p:pic>
     </p:spTree>
     <p:extLst>
       <p:ext uri="{BB962C8B-B14F-4D97-AF65-F5344CB8AC3E}">
-        <p14:creationId xmlns:p14="http://schemas.microsoft.com/office/powerpoint/2010/main" val="1459133588"/>
+        <p14:creationId xmlns:p14="http://schemas.microsoft.com/office/powerpoint/2010/main" val="2516161376"/>
       </p:ext>
     </p:extLst>
   </p:cSld>
@@ -16159,7 +16388,7 @@
         <p:spPr>
           <a:xfrm>
             <a:off x="420888" y="1956230"/>
-            <a:ext cx="11891919" cy="4008983"/>
+            <a:ext cx="11891919" cy="4799327"/>
           </a:xfrm>
           <a:prstGeom prst="rect">
             <a:avLst/>
@@ -16172,10 +16401,12 @@
           </a:bodyPr>
           <a:lstStyle/>
           <a:p>
-            <a:pPr lvl="0">
+            <a:pPr marL="685800" lvl="0" indent="-685800">
               <a:lnSpc>
                 <a:spcPct val="107000"/>
               </a:lnSpc>
+              <a:buFont typeface="Arial" panose="020B0604020202020204" pitchFamily="34" charset="0"/>
+              <a:buChar char="•"/>
             </a:pPr>
             <a:r>
               <a:rPr lang="en-US" sz="4800" dirty="0">
@@ -16184,7 +16415,7 @@
                 <a:ea typeface="Calibri" panose="020F0502020204030204" pitchFamily="34" charset="0"/>
                 <a:cs typeface="Times New Roman" panose="02020603050405020304" pitchFamily="18" charset="0"/>
               </a:rPr>
-              <a:t>What to do now:</a:t>
+              <a:t>Time limit: 2 hours (TAG!!)</a:t>
             </a:r>
           </a:p>
           <a:p>
@@ -16201,11 +16432,11 @@
                 <a:ea typeface="Calibri" panose="020F0502020204030204" pitchFamily="34" charset="0"/>
                 <a:cs typeface="Times New Roman" panose="02020603050405020304" pitchFamily="18" charset="0"/>
               </a:rPr>
-              <a:t>Read &amp; Think?</a:t>
-            </a:r>
-          </a:p>
-          <a:p>
-            <a:pPr marL="685800" lvl="0" indent="-685800">
+              <a:t>Before the timer starts</a:t>
+            </a:r>
+          </a:p>
+          <a:p>
+            <a:pPr marL="1143000" lvl="1" indent="-685800">
               <a:lnSpc>
                 <a:spcPct val="107000"/>
               </a:lnSpc>
@@ -16219,11 +16450,11 @@
                 <a:ea typeface="Calibri" panose="020F0502020204030204" pitchFamily="34" charset="0"/>
                 <a:cs typeface="Times New Roman" panose="02020603050405020304" pitchFamily="18" charset="0"/>
               </a:rPr>
-              <a:t>Just get started?</a:t>
-            </a:r>
-          </a:p>
-          <a:p>
-            <a:pPr marL="685800" lvl="0" indent="-685800">
+              <a:t>Read the assignment</a:t>
+            </a:r>
+          </a:p>
+          <a:p>
+            <a:pPr marL="1143000" lvl="1" indent="-685800">
               <a:lnSpc>
                 <a:spcPct val="107000"/>
               </a:lnSpc>
@@ -16236,11 +16467,28 @@
                 <a:ea typeface="Calibri" panose="020F0502020204030204" pitchFamily="34" charset="0"/>
                 <a:cs typeface="Times New Roman" panose="02020603050405020304" pitchFamily="18" charset="0"/>
               </a:rPr>
-              <a:t>Setup your environment?</a:t>
-            </a:r>
-          </a:p>
-          <a:p>
-            <a:pPr marL="685800" lvl="0" indent="-685800">
+              <a:t>“initial commit” (project setup, …)</a:t>
+            </a:r>
+          </a:p>
+          <a:p>
+            <a:pPr marL="1143000" lvl="1" indent="-685800">
+              <a:lnSpc>
+                <a:spcPct val="107000"/>
+              </a:lnSpc>
+              <a:buFont typeface="Arial" panose="020B0604020202020204" pitchFamily="34" charset="0"/>
+              <a:buChar char="•"/>
+            </a:pPr>
+            <a:r>
+              <a:rPr lang="en-US" sz="4800" dirty="0">
+                <a:latin typeface="Calibri" panose="020F0502020204030204" pitchFamily="34" charset="0"/>
+                <a:ea typeface="Calibri" panose="020F0502020204030204" pitchFamily="34" charset="0"/>
+                <a:cs typeface="Times New Roman" panose="02020603050405020304" pitchFamily="18" charset="0"/>
+              </a:rPr>
+              <a:t>Technical Analysis, …</a:t>
+            </a:r>
+          </a:p>
+          <a:p>
+            <a:pPr marL="685800" indent="-685800">
               <a:lnSpc>
                 <a:spcPct val="107000"/>
               </a:lnSpc>
@@ -16254,51 +16502,15 @@
                 <a:ea typeface="Calibri" panose="020F0502020204030204" pitchFamily="34" charset="0"/>
                 <a:cs typeface="Times New Roman" panose="02020603050405020304" pitchFamily="18" charset="0"/>
               </a:rPr>
-              <a:t>Draw a technical design?</a:t>
-            </a:r>
-            <a:endParaRPr lang="en-BE" sz="4800" dirty="0">
-              <a:effectLst/>
-              <a:latin typeface="Calibri" panose="020F0502020204030204" pitchFamily="34" charset="0"/>
-              <a:ea typeface="Calibri" panose="020F0502020204030204" pitchFamily="34" charset="0"/>
-              <a:cs typeface="Times New Roman" panose="02020603050405020304" pitchFamily="18" charset="0"/>
-            </a:endParaRPr>
-          </a:p>
-        </p:txBody>
-      </p:sp>
-      <p:pic>
-        <p:nvPicPr>
-          <p:cNvPr id="2" name="Picture 1">
-            <a:extLst>
-              <a:ext uri="{FF2B5EF4-FFF2-40B4-BE49-F238E27FC236}">
-                <a16:creationId xmlns:a16="http://schemas.microsoft.com/office/drawing/2014/main" id="{DA5A5759-08C9-F3F5-E4B0-00DE4132344B}"/>
-              </a:ext>
-            </a:extLst>
-          </p:cNvPr>
-          <p:cNvPicPr>
-            <a:picLocks noChangeAspect="1"/>
-          </p:cNvPicPr>
-          <p:nvPr/>
-        </p:nvPicPr>
-        <p:blipFill>
-          <a:blip r:embed="rId5"/>
-          <a:stretch>
-            <a:fillRect/>
-          </a:stretch>
-        </p:blipFill>
-        <p:spPr>
-          <a:xfrm>
-            <a:off x="9781408" y="408258"/>
-            <a:ext cx="1772366" cy="1962943"/>
-          </a:xfrm>
-          <a:prstGeom prst="rect">
-            <a:avLst/>
-          </a:prstGeom>
-        </p:spPr>
-      </p:pic>
+              <a:t>Possible to work longer (Tag x hours)</a:t>
+            </a:r>
+          </a:p>
+        </p:txBody>
+      </p:sp>
     </p:spTree>
     <p:extLst>
       <p:ext uri="{BB962C8B-B14F-4D97-AF65-F5344CB8AC3E}">
-        <p14:creationId xmlns:p14="http://schemas.microsoft.com/office/powerpoint/2010/main" val="2516161376"/>
+        <p14:creationId xmlns:p14="http://schemas.microsoft.com/office/powerpoint/2010/main" val="1954526617"/>
       </p:ext>
     </p:extLst>
   </p:cSld>
@@ -16408,7 +16620,7 @@
         <p:spPr>
           <a:xfrm>
             <a:off x="420888" y="1956230"/>
-            <a:ext cx="11891919" cy="4799327"/>
+            <a:ext cx="11891919" cy="4008983"/>
           </a:xfrm>
           <a:prstGeom prst="rect">
             <a:avLst/>
@@ -16435,7 +16647,7 @@
                 <a:ea typeface="Calibri" panose="020F0502020204030204" pitchFamily="34" charset="0"/>
                 <a:cs typeface="Times New Roman" panose="02020603050405020304" pitchFamily="18" charset="0"/>
               </a:rPr>
-              <a:t>Time limit: 2 hours (TAG!!)</a:t>
+              <a:t>Commit often</a:t>
             </a:r>
           </a:p>
           <a:p>
@@ -16452,11 +16664,11 @@
                 <a:ea typeface="Calibri" panose="020F0502020204030204" pitchFamily="34" charset="0"/>
                 <a:cs typeface="Times New Roman" panose="02020603050405020304" pitchFamily="18" charset="0"/>
               </a:rPr>
-              <a:t>Before the timer starts</a:t>
-            </a:r>
-          </a:p>
-          <a:p>
-            <a:pPr marL="1143000" lvl="1" indent="-685800">
+              <a:t>Send a zip with code &amp; .git folder</a:t>
+            </a:r>
+          </a:p>
+          <a:p>
+            <a:pPr marL="685800" lvl="0" indent="-685800">
               <a:lnSpc>
                 <a:spcPct val="107000"/>
               </a:lnSpc>
@@ -16470,45 +16682,19 @@
                 <a:ea typeface="Calibri" panose="020F0502020204030204" pitchFamily="34" charset="0"/>
                 <a:cs typeface="Times New Roman" panose="02020603050405020304" pitchFamily="18" charset="0"/>
               </a:rPr>
-              <a:t>Read the assignment</a:t>
-            </a:r>
-          </a:p>
-          <a:p>
-            <a:pPr marL="1143000" lvl="1" indent="-685800">
-              <a:lnSpc>
-                <a:spcPct val="107000"/>
-              </a:lnSpc>
-              <a:buFont typeface="Arial" panose="020B0604020202020204" pitchFamily="34" charset="0"/>
-              <a:buChar char="•"/>
-            </a:pPr>
+              <a:t>Lean code is prefer</a:t>
+            </a:r>
             <a:r>
               <a:rPr lang="en-US" sz="4800" dirty="0">
                 <a:latin typeface="Calibri" panose="020F0502020204030204" pitchFamily="34" charset="0"/>
                 <a:ea typeface="Calibri" panose="020F0502020204030204" pitchFamily="34" charset="0"/>
                 <a:cs typeface="Times New Roman" panose="02020603050405020304" pitchFamily="18" charset="0"/>
               </a:rPr>
-              <a:t>“initial commit” (project setup, …)</a:t>
-            </a:r>
-          </a:p>
-          <a:p>
-            <a:pPr marL="1143000" lvl="1" indent="-685800">
-              <a:lnSpc>
-                <a:spcPct val="107000"/>
-              </a:lnSpc>
-              <a:buFont typeface="Arial" panose="020B0604020202020204" pitchFamily="34" charset="0"/>
-              <a:buChar char="•"/>
-            </a:pPr>
-            <a:r>
-              <a:rPr lang="en-US" sz="4800" dirty="0">
-                <a:latin typeface="Calibri" panose="020F0502020204030204" pitchFamily="34" charset="0"/>
-                <a:ea typeface="Calibri" panose="020F0502020204030204" pitchFamily="34" charset="0"/>
-                <a:cs typeface="Times New Roman" panose="02020603050405020304" pitchFamily="18" charset="0"/>
-              </a:rPr>
-              <a:t>Technical Analysis, …</a:t>
-            </a:r>
-          </a:p>
-          <a:p>
-            <a:pPr marL="685800" indent="-685800">
+              <a:t>red – do not show off</a:t>
+            </a:r>
+          </a:p>
+          <a:p>
+            <a:pPr marL="685800" lvl="0" indent="-685800">
               <a:lnSpc>
                 <a:spcPct val="107000"/>
               </a:lnSpc>
@@ -16522,15 +16708,73 @@
                 <a:ea typeface="Calibri" panose="020F0502020204030204" pitchFamily="34" charset="0"/>
                 <a:cs typeface="Times New Roman" panose="02020603050405020304" pitchFamily="18" charset="0"/>
               </a:rPr>
-              <a:t>Possible to work longer (Tag x hours)</a:t>
-            </a:r>
+              <a:t>If you want to focus on an “</a:t>
+            </a:r>
+            <a:r>
+              <a:rPr lang="en-US" sz="4800" dirty="0" err="1">
+                <a:effectLst/>
+                <a:latin typeface="Calibri" panose="020F0502020204030204" pitchFamily="34" charset="0"/>
+                <a:ea typeface="Calibri" panose="020F0502020204030204" pitchFamily="34" charset="0"/>
+                <a:cs typeface="Times New Roman" panose="02020603050405020304" pitchFamily="18" charset="0"/>
+              </a:rPr>
+              <a:t>itility</a:t>
+            </a:r>
+            <a:r>
+              <a:rPr lang="en-US" sz="4800" dirty="0">
+                <a:effectLst/>
+                <a:latin typeface="Calibri" panose="020F0502020204030204" pitchFamily="34" charset="0"/>
+                <a:ea typeface="Calibri" panose="020F0502020204030204" pitchFamily="34" charset="0"/>
+                <a:cs typeface="Times New Roman" panose="02020603050405020304" pitchFamily="18" charset="0"/>
+              </a:rPr>
+              <a:t>”</a:t>
+            </a:r>
+            <a:br>
+              <a:rPr lang="en-US" sz="4800" dirty="0">
+                <a:effectLst/>
+                <a:latin typeface="Calibri" panose="020F0502020204030204" pitchFamily="34" charset="0"/>
+                <a:ea typeface="Calibri" panose="020F0502020204030204" pitchFamily="34" charset="0"/>
+                <a:cs typeface="Times New Roman" panose="02020603050405020304" pitchFamily="18" charset="0"/>
+              </a:rPr>
+            </a:br>
+            <a:r>
+              <a:rPr lang="en-US" sz="4800" dirty="0">
+                <a:effectLst/>
+                <a:latin typeface="Calibri" panose="020F0502020204030204" pitchFamily="34" charset="0"/>
+                <a:ea typeface="Calibri" panose="020F0502020204030204" pitchFamily="34" charset="0"/>
+                <a:cs typeface="Times New Roman" panose="02020603050405020304" pitchFamily="18" charset="0"/>
+              </a:rPr>
+              <a:t>  </a:t>
+            </a:r>
+            <a:r>
+              <a:rPr lang="en-US" sz="4000" dirty="0">
+                <a:latin typeface="Calibri" panose="020F0502020204030204" pitchFamily="34" charset="0"/>
+                <a:ea typeface="Calibri" panose="020F0502020204030204" pitchFamily="34" charset="0"/>
+                <a:cs typeface="Times New Roman" panose="02020603050405020304" pitchFamily="18" charset="0"/>
+                <a:sym typeface="Wingdings" panose="05000000000000000000" pitchFamily="2" charset="2"/>
+              </a:rPr>
+              <a:t> </a:t>
+            </a:r>
+            <a:r>
+              <a:rPr lang="en-US" sz="4000" dirty="0">
+                <a:latin typeface="Calibri" panose="020F0502020204030204" pitchFamily="34" charset="0"/>
+                <a:ea typeface="Calibri" panose="020F0502020204030204" pitchFamily="34" charset="0"/>
+                <a:cs typeface="Times New Roman" panose="02020603050405020304" pitchFamily="18" charset="0"/>
+              </a:rPr>
+              <a:t>Make it “maintainability”</a:t>
+            </a:r>
+            <a:endParaRPr lang="en-BE" sz="4800" dirty="0">
+              <a:effectLst/>
+              <a:latin typeface="Calibri" panose="020F0502020204030204" pitchFamily="34" charset="0"/>
+              <a:ea typeface="Calibri" panose="020F0502020204030204" pitchFamily="34" charset="0"/>
+              <a:cs typeface="Times New Roman" panose="02020603050405020304" pitchFamily="18" charset="0"/>
+            </a:endParaRPr>
           </a:p>
         </p:txBody>
       </p:sp>
     </p:spTree>
     <p:extLst>
       <p:ext uri="{BB962C8B-B14F-4D97-AF65-F5344CB8AC3E}">
-        <p14:creationId xmlns:p14="http://schemas.microsoft.com/office/powerpoint/2010/main" val="1954526617"/>
+        <p14:creationId xmlns:p14="http://schemas.microsoft.com/office/powerpoint/2010/main" val="996845829"/>
       </p:ext>
     </p:extLst>
   </p:cSld>
@@ -16618,8 +16862,8 @@
           <a:lstStyle/>
           <a:p>
             <a:r>
-              <a:rPr lang="fr-BE" dirty="0"/>
-              <a:t>Piggy Gonzales</a:t>
+              <a:rPr lang="fr-BE" dirty="0" err="1"/>
+              <a:t>Examples</a:t>
             </a:r>
             <a:endParaRPr lang="en-BE" dirty="0"/>
           </a:p>
@@ -16640,7 +16884,7 @@
         <p:spPr>
           <a:xfrm>
             <a:off x="420888" y="1956230"/>
-            <a:ext cx="11891919" cy="4008983"/>
+            <a:ext cx="11891919" cy="3218638"/>
           </a:xfrm>
           <a:prstGeom prst="rect">
             <a:avLst/>
@@ -16653,12 +16897,10 @@
           </a:bodyPr>
           <a:lstStyle/>
           <a:p>
-            <a:pPr marL="685800" lvl="0" indent="-685800">
+            <a:pPr lvl="0">
               <a:lnSpc>
                 <a:spcPct val="107000"/>
               </a:lnSpc>
-              <a:buFont typeface="Arial" panose="020B0604020202020204" pitchFamily="34" charset="0"/>
-              <a:buChar char="•"/>
             </a:pPr>
             <a:r>
               <a:rPr lang="en-US" sz="4800" dirty="0">
@@ -16667,24 +16909,7 @@
                 <a:ea typeface="Calibri" panose="020F0502020204030204" pitchFamily="34" charset="0"/>
                 <a:cs typeface="Times New Roman" panose="02020603050405020304" pitchFamily="18" charset="0"/>
               </a:rPr>
-              <a:t>Commit often</a:t>
-            </a:r>
-          </a:p>
-          <a:p>
-            <a:pPr marL="685800" lvl="0" indent="-685800">
-              <a:lnSpc>
-                <a:spcPct val="107000"/>
-              </a:lnSpc>
-              <a:buFont typeface="Arial" panose="020B0604020202020204" pitchFamily="34" charset="0"/>
-              <a:buChar char="•"/>
-            </a:pPr>
-            <a:r>
-              <a:rPr lang="en-US" sz="4800" dirty="0">
-                <a:latin typeface="Calibri" panose="020F0502020204030204" pitchFamily="34" charset="0"/>
-                <a:ea typeface="Calibri" panose="020F0502020204030204" pitchFamily="34" charset="0"/>
-                <a:cs typeface="Times New Roman" panose="02020603050405020304" pitchFamily="18" charset="0"/>
-              </a:rPr>
-              <a:t>Send a zip with code &amp; .git folder</a:t>
+              <a:t>There are some basic examples in this repo for</a:t>
             </a:r>
           </a:p>
           <a:p>
@@ -16702,15 +16927,7 @@
                 <a:ea typeface="Calibri" panose="020F0502020204030204" pitchFamily="34" charset="0"/>
                 <a:cs typeface="Times New Roman" panose="02020603050405020304" pitchFamily="18" charset="0"/>
               </a:rPr>
-              <a:t>Lean code is prefer</a:t>
-            </a:r>
-            <a:r>
-              <a:rPr lang="en-US" sz="4800" dirty="0">
-                <a:latin typeface="Calibri" panose="020F0502020204030204" pitchFamily="34" charset="0"/>
-                <a:ea typeface="Calibri" panose="020F0502020204030204" pitchFamily="34" charset="0"/>
-                <a:cs typeface="Times New Roman" panose="02020603050405020304" pitchFamily="18" charset="0"/>
-              </a:rPr>
-              <a:t>red – do not show off</a:t>
+              <a:t>Java</a:t>
             </a:r>
           </a:p>
           <a:p>
@@ -16728,59 +16945,24 @@
                 <a:ea typeface="Calibri" panose="020F0502020204030204" pitchFamily="34" charset="0"/>
                 <a:cs typeface="Times New Roman" panose="02020603050405020304" pitchFamily="18" charset="0"/>
               </a:rPr>
-              <a:t>If you want to focus on an “</a:t>
-            </a:r>
-            <a:r>
-              <a:rPr lang="en-US" sz="4800" dirty="0" err="1">
-                <a:effectLst/>
+              <a:t>JavaScript</a:t>
+            </a:r>
+          </a:p>
+          <a:p>
+            <a:pPr marL="685800" lvl="0" indent="-685800">
+              <a:lnSpc>
+                <a:spcPct val="107000"/>
+              </a:lnSpc>
+              <a:buFont typeface="Arial" panose="020B0604020202020204" pitchFamily="34" charset="0"/>
+              <a:buChar char="•"/>
+            </a:pPr>
+            <a:r>
+              <a:rPr lang="en-US" sz="4800" dirty="0">
                 <a:latin typeface="Calibri" panose="020F0502020204030204" pitchFamily="34" charset="0"/>
                 <a:ea typeface="Calibri" panose="020F0502020204030204" pitchFamily="34" charset="0"/>
                 <a:cs typeface="Times New Roman" panose="02020603050405020304" pitchFamily="18" charset="0"/>
               </a:rPr>
-              <a:t>itility</a:t>
-            </a:r>
-            <a:r>
-              <a:rPr lang="en-US" sz="4800" dirty="0">
-                <a:effectLst/>
-                <a:latin typeface="Calibri" panose="020F0502020204030204" pitchFamily="34" charset="0"/>
-                <a:ea typeface="Calibri" panose="020F0502020204030204" pitchFamily="34" charset="0"/>
-                <a:cs typeface="Times New Roman" panose="02020603050405020304" pitchFamily="18" charset="0"/>
-              </a:rPr>
-              <a:t>”</a:t>
-            </a:r>
-            <a:br>
-              <a:rPr lang="en-US" sz="4800" dirty="0">
-                <a:effectLst/>
-                <a:latin typeface="Calibri" panose="020F0502020204030204" pitchFamily="34" charset="0"/>
-                <a:ea typeface="Calibri" panose="020F0502020204030204" pitchFamily="34" charset="0"/>
-                <a:cs typeface="Times New Roman" panose="02020603050405020304" pitchFamily="18" charset="0"/>
-              </a:rPr>
-            </a:br>
-            <a:r>
-              <a:rPr lang="en-US" sz="4800" dirty="0">
-                <a:effectLst/>
-                <a:latin typeface="Calibri" panose="020F0502020204030204" pitchFamily="34" charset="0"/>
-                <a:ea typeface="Calibri" panose="020F0502020204030204" pitchFamily="34" charset="0"/>
-                <a:cs typeface="Times New Roman" panose="02020603050405020304" pitchFamily="18" charset="0"/>
-              </a:rPr>
-              <a:t>  </a:t>
-            </a:r>
-            <a:r>
-              <a:rPr lang="en-US" sz="4000" dirty="0">
-                <a:latin typeface="Calibri" panose="020F0502020204030204" pitchFamily="34" charset="0"/>
-                <a:ea typeface="Calibri" panose="020F0502020204030204" pitchFamily="34" charset="0"/>
-                <a:cs typeface="Times New Roman" panose="02020603050405020304" pitchFamily="18" charset="0"/>
-                <a:sym typeface="Wingdings" panose="05000000000000000000" pitchFamily="2" charset="2"/>
-              </a:rPr>
-              <a:t> </a:t>
-            </a:r>
-            <a:r>
-              <a:rPr lang="en-US" sz="4000" dirty="0">
-                <a:latin typeface="Calibri" panose="020F0502020204030204" pitchFamily="34" charset="0"/>
-                <a:ea typeface="Calibri" panose="020F0502020204030204" pitchFamily="34" charset="0"/>
-                <a:cs typeface="Times New Roman" panose="02020603050405020304" pitchFamily="18" charset="0"/>
-              </a:rPr>
-              <a:t>Make it “maintainability”</a:t>
+              <a:t>.NET</a:t>
             </a:r>
             <a:endParaRPr lang="en-BE" sz="4800" dirty="0">
               <a:effectLst/>
@@ -16794,7 +16976,7 @@
     </p:spTree>
     <p:extLst>
       <p:ext uri="{BB962C8B-B14F-4D97-AF65-F5344CB8AC3E}">
-        <p14:creationId xmlns:p14="http://schemas.microsoft.com/office/powerpoint/2010/main" val="996845829"/>
+        <p14:creationId xmlns:p14="http://schemas.microsoft.com/office/powerpoint/2010/main" val="3261982982"/>
       </p:ext>
     </p:extLst>
   </p:cSld>
@@ -17013,7 +17195,7 @@
                 <a:ea typeface="Calibri" panose="020F0502020204030204" pitchFamily="34" charset="0"/>
                 <a:cs typeface="Times New Roman" panose="02020603050405020304" pitchFamily="18" charset="0"/>
               </a:rPr>
-              <a:t>Implementation</a:t>
+              <a:t>Implementation Considerations</a:t>
             </a:r>
           </a:p>
           <a:p>
@@ -19116,7 +19298,7 @@
 </file>
 
 <file path=customXml/itemProps1.xml><?xml version="1.0" encoding="utf-8"?>
-<ds:datastoreItem xmlns:ds="http://schemas.openxmlformats.org/officeDocument/2006/customXml" ds:itemID="{D4810685-38F8-4208-92FA-8B9E76143B8E}">
+<ds:datastoreItem xmlns:ds="http://schemas.openxmlformats.org/officeDocument/2006/customXml" ds:itemID="{787285B2-73EA-450E-8BD1-A7D5248937C3}">
   <ds:schemaRefs>
     <ds:schemaRef ds:uri="http://schemas.microsoft.com/VisualStudio/2011/storyboarding/control"/>
   </ds:schemaRefs>
@@ -19124,7 +19306,7 @@
 </file>
 
 <file path=customXml/itemProps10.xml><?xml version="1.0" encoding="utf-8"?>
-<ds:datastoreItem xmlns:ds="http://schemas.openxmlformats.org/officeDocument/2006/customXml" ds:itemID="{57451104-4D84-400D-AAA1-27F07EAC0B3E}">
+<ds:datastoreItem xmlns:ds="http://schemas.openxmlformats.org/officeDocument/2006/customXml" ds:itemID="{C8E92FC1-ACA4-4D24-98DC-65503334C51B}">
   <ds:schemaRefs>
     <ds:schemaRef ds:uri="http://schemas.microsoft.com/VisualStudio/2011/storyboarding/control"/>
   </ds:schemaRefs>
@@ -19132,7 +19314,7 @@
 </file>
 
 <file path=customXml/itemProps11.xml><?xml version="1.0" encoding="utf-8"?>
-<ds:datastoreItem xmlns:ds="http://schemas.openxmlformats.org/officeDocument/2006/customXml" ds:itemID="{538A3BA5-1461-41DE-A994-46DB681A02E1}">
+<ds:datastoreItem xmlns:ds="http://schemas.openxmlformats.org/officeDocument/2006/customXml" ds:itemID="{5F8E4B39-2514-4CA6-AF65-B4027DBFE406}">
   <ds:schemaRefs>
     <ds:schemaRef ds:uri="http://schemas.microsoft.com/VisualStudio/2011/storyboarding/control"/>
   </ds:schemaRefs>
@@ -19140,7 +19322,7 @@
 </file>
 
 <file path=customXml/itemProps12.xml><?xml version="1.0" encoding="utf-8"?>
-<ds:datastoreItem xmlns:ds="http://schemas.openxmlformats.org/officeDocument/2006/customXml" ds:itemID="{0848ACBE-87D0-4803-BD51-9B04C838E1C7}">
+<ds:datastoreItem xmlns:ds="http://schemas.openxmlformats.org/officeDocument/2006/customXml" ds:itemID="{154FACEB-F3BF-4191-AE2E-67A5B5DFFA27}">
   <ds:schemaRefs>
     <ds:schemaRef ds:uri="http://schemas.microsoft.com/VisualStudio/2011/storyboarding/control"/>
   </ds:schemaRefs>
@@ -19148,7 +19330,7 @@
 </file>
 
 <file path=customXml/itemProps13.xml><?xml version="1.0" encoding="utf-8"?>
-<ds:datastoreItem xmlns:ds="http://schemas.openxmlformats.org/officeDocument/2006/customXml" ds:itemID="{C5DF06EE-7E2D-4E11-9A5F-0160175EBC54}">
+<ds:datastoreItem xmlns:ds="http://schemas.openxmlformats.org/officeDocument/2006/customXml" ds:itemID="{DA8DFECD-CF6E-4553-8828-1176E5D29DA6}">
   <ds:schemaRefs>
     <ds:schemaRef ds:uri="http://schemas.microsoft.com/VisualStudio/2011/storyboarding/control"/>
   </ds:schemaRefs>
@@ -19156,7 +19338,7 @@
 </file>
 
 <file path=customXml/itemProps14.xml><?xml version="1.0" encoding="utf-8"?>
-<ds:datastoreItem xmlns:ds="http://schemas.openxmlformats.org/officeDocument/2006/customXml" ds:itemID="{C8E92FC1-ACA4-4D24-98DC-65503334C51B}">
+<ds:datastoreItem xmlns:ds="http://schemas.openxmlformats.org/officeDocument/2006/customXml" ds:itemID="{83121EFB-4893-415B-B7BD-F940E893B2BD}">
   <ds:schemaRefs>
     <ds:schemaRef ds:uri="http://schemas.microsoft.com/VisualStudio/2011/storyboarding/control"/>
   </ds:schemaRefs>
@@ -19164,7 +19346,7 @@
 </file>
 
 <file path=customXml/itemProps15.xml><?xml version="1.0" encoding="utf-8"?>
-<ds:datastoreItem xmlns:ds="http://schemas.openxmlformats.org/officeDocument/2006/customXml" ds:itemID="{68FE2DF9-B445-4C6D-94AE-B9AC0C91A19C}">
+<ds:datastoreItem xmlns:ds="http://schemas.openxmlformats.org/officeDocument/2006/customXml" ds:itemID="{602A176D-DD9A-4555-ABCE-0CAAEBDBAF6D}">
   <ds:schemaRefs>
     <ds:schemaRef ds:uri="http://schemas.microsoft.com/VisualStudio/2011/storyboarding/control"/>
   </ds:schemaRefs>
@@ -19172,7 +19354,7 @@
 </file>
 
 <file path=customXml/itemProps16.xml><?xml version="1.0" encoding="utf-8"?>
-<ds:datastoreItem xmlns:ds="http://schemas.openxmlformats.org/officeDocument/2006/customXml" ds:itemID="{370599EE-380D-4550-AD41-47FBF035B53B}">
+<ds:datastoreItem xmlns:ds="http://schemas.openxmlformats.org/officeDocument/2006/customXml" ds:itemID="{0848ACBE-87D0-4803-BD51-9B04C838E1C7}">
   <ds:schemaRefs>
     <ds:schemaRef ds:uri="http://schemas.microsoft.com/VisualStudio/2011/storyboarding/control"/>
   </ds:schemaRefs>
@@ -19188,7 +19370,7 @@
 </file>
 
 <file path=customXml/itemProps18.xml><?xml version="1.0" encoding="utf-8"?>
-<ds:datastoreItem xmlns:ds="http://schemas.openxmlformats.org/officeDocument/2006/customXml" ds:itemID="{18A09104-CC72-4E98-8540-170620C1745A}">
+<ds:datastoreItem xmlns:ds="http://schemas.openxmlformats.org/officeDocument/2006/customXml" ds:itemID="{C909926A-E528-4870-B471-51E49E6FDDDA}">
   <ds:schemaRefs>
     <ds:schemaRef ds:uri="http://schemas.microsoft.com/VisualStudio/2011/storyboarding/control"/>
   </ds:schemaRefs>
@@ -19196,7 +19378,7 @@
 </file>
 
 <file path=customXml/itemProps19.xml><?xml version="1.0" encoding="utf-8"?>
-<ds:datastoreItem xmlns:ds="http://schemas.openxmlformats.org/officeDocument/2006/customXml" ds:itemID="{ED5250E8-1F5D-4866-AE6A-F77DB7393982}">
+<ds:datastoreItem xmlns:ds="http://schemas.openxmlformats.org/officeDocument/2006/customXml" ds:itemID="{4A94AC37-B8C6-4C7A-80FD-1BB83E59137C}">
   <ds:schemaRefs>
     <ds:schemaRef ds:uri="http://schemas.microsoft.com/VisualStudio/2011/storyboarding/control"/>
   </ds:schemaRefs>
@@ -19220,6 +19402,110 @@
 </file>
 
 <file path=customXml/itemProps21.xml><?xml version="1.0" encoding="utf-8"?>
+<ds:datastoreItem xmlns:ds="http://schemas.openxmlformats.org/officeDocument/2006/customXml" ds:itemID="{D4810685-38F8-4208-92FA-8B9E76143B8E}">
+  <ds:schemaRefs>
+    <ds:schemaRef ds:uri="http://schemas.microsoft.com/VisualStudio/2011/storyboarding/control"/>
+  </ds:schemaRefs>
+</ds:datastoreItem>
+</file>
+
+<file path=customXml/itemProps22.xml><?xml version="1.0" encoding="utf-8"?>
+<ds:datastoreItem xmlns:ds="http://schemas.openxmlformats.org/officeDocument/2006/customXml" ds:itemID="{F0F1AE6D-CE96-405A-BBB8-FBC1367D7C33}">
+  <ds:schemaRefs>
+    <ds:schemaRef ds:uri="http://schemas.microsoft.com/VisualStudio/2011/storyboarding/control"/>
+  </ds:schemaRefs>
+</ds:datastoreItem>
+</file>
+
+<file path=customXml/itemProps23.xml><?xml version="1.0" encoding="utf-8"?>
+<ds:datastoreItem xmlns:ds="http://schemas.openxmlformats.org/officeDocument/2006/customXml" ds:itemID="{68FE2DF9-B445-4C6D-94AE-B9AC0C91A19C}">
+  <ds:schemaRefs>
+    <ds:schemaRef ds:uri="http://schemas.microsoft.com/VisualStudio/2011/storyboarding/control"/>
+  </ds:schemaRefs>
+</ds:datastoreItem>
+</file>
+
+<file path=customXml/itemProps24.xml><?xml version="1.0" encoding="utf-8"?>
+<ds:datastoreItem xmlns:ds="http://schemas.openxmlformats.org/officeDocument/2006/customXml" ds:itemID="{39CDCB66-237D-4952-997D-4EBC8293DA25}">
+  <ds:schemaRefs>
+    <ds:schemaRef ds:uri="http://schemas.microsoft.com/VisualStudio/2011/storyboarding/control"/>
+  </ds:schemaRefs>
+</ds:datastoreItem>
+</file>
+
+<file path=customXml/itemProps25.xml><?xml version="1.0" encoding="utf-8"?>
+<ds:datastoreItem xmlns:ds="http://schemas.openxmlformats.org/officeDocument/2006/customXml" ds:itemID="{27E6D0F4-73A0-421D-92D0-049E8989F9EF}">
+  <ds:schemaRefs>
+    <ds:schemaRef ds:uri="http://schemas.microsoft.com/VisualStudio/2011/storyboarding/control"/>
+  </ds:schemaRefs>
+</ds:datastoreItem>
+</file>
+
+<file path=customXml/itemProps26.xml><?xml version="1.0" encoding="utf-8"?>
+<ds:datastoreItem xmlns:ds="http://schemas.openxmlformats.org/officeDocument/2006/customXml" ds:itemID="{57451104-4D84-400D-AAA1-27F07EAC0B3E}">
+  <ds:schemaRefs>
+    <ds:schemaRef ds:uri="http://schemas.microsoft.com/VisualStudio/2011/storyboarding/control"/>
+  </ds:schemaRefs>
+</ds:datastoreItem>
+</file>
+
+<file path=customXml/itemProps27.xml><?xml version="1.0" encoding="utf-8"?>
+<ds:datastoreItem xmlns:ds="http://schemas.openxmlformats.org/officeDocument/2006/customXml" ds:itemID="{3331FA1E-2E43-48FF-A342-CCAB98704884}">
+  <ds:schemaRefs>
+    <ds:schemaRef ds:uri="http://schemas.microsoft.com/VisualStudio/2011/storyboarding/control"/>
+  </ds:schemaRefs>
+</ds:datastoreItem>
+</file>
+
+<file path=customXml/itemProps28.xml><?xml version="1.0" encoding="utf-8"?>
+<ds:datastoreItem xmlns:ds="http://schemas.openxmlformats.org/officeDocument/2006/customXml" ds:itemID="{D12F2BFF-C618-42A7-A799-D8722515C0FA}">
+  <ds:schemaRefs>
+    <ds:schemaRef ds:uri="http://schemas.microsoft.com/VisualStudio/2011/storyboarding/control"/>
+  </ds:schemaRefs>
+</ds:datastoreItem>
+</file>
+
+<file path=customXml/itemProps29.xml><?xml version="1.0" encoding="utf-8"?>
+<ds:datastoreItem xmlns:ds="http://schemas.openxmlformats.org/officeDocument/2006/customXml" ds:itemID="{E8D58784-6638-42AD-B156-E7A3D4C8BF62}">
+  <ds:schemaRefs>
+    <ds:schemaRef ds:uri="http://schemas.microsoft.com/VisualStudio/2011/storyboarding/control"/>
+  </ds:schemaRefs>
+</ds:datastoreItem>
+</file>
+
+<file path=customXml/itemProps3.xml><?xml version="1.0" encoding="utf-8"?>
+<ds:datastoreItem xmlns:ds="http://schemas.openxmlformats.org/officeDocument/2006/customXml" ds:itemID="{370599EE-380D-4550-AD41-47FBF035B53B}">
+  <ds:schemaRefs>
+    <ds:schemaRef ds:uri="http://schemas.microsoft.com/VisualStudio/2011/storyboarding/control"/>
+  </ds:schemaRefs>
+</ds:datastoreItem>
+</file>
+
+<file path=customXml/itemProps30.xml><?xml version="1.0" encoding="utf-8"?>
+<ds:datastoreItem xmlns:ds="http://schemas.openxmlformats.org/officeDocument/2006/customXml" ds:itemID="{C5DF06EE-7E2D-4E11-9A5F-0160175EBC54}">
+  <ds:schemaRefs>
+    <ds:schemaRef ds:uri="http://schemas.microsoft.com/VisualStudio/2011/storyboarding/control"/>
+  </ds:schemaRefs>
+</ds:datastoreItem>
+</file>
+
+<file path=customXml/itemProps31.xml><?xml version="1.0" encoding="utf-8"?>
+<ds:datastoreItem xmlns:ds="http://schemas.openxmlformats.org/officeDocument/2006/customXml" ds:itemID="{18A09104-CC72-4E98-8540-170620C1745A}">
+  <ds:schemaRefs>
+    <ds:schemaRef ds:uri="http://schemas.microsoft.com/VisualStudio/2011/storyboarding/control"/>
+  </ds:schemaRefs>
+</ds:datastoreItem>
+</file>
+
+<file path=customXml/itemProps32.xml><?xml version="1.0" encoding="utf-8"?>
+<ds:datastoreItem xmlns:ds="http://schemas.openxmlformats.org/officeDocument/2006/customXml" ds:itemID="{E0DB0C50-63E4-4721-BA81-8371246A9C9E}">
+  <ds:schemaRefs>
+    <ds:schemaRef ds:uri="http://schemas.microsoft.com/VisualStudio/2011/storyboarding/control"/>
+  </ds:schemaRefs>
+</ds:datastoreItem>
+</file>
+
+<file path=customXml/itemProps33.xml><?xml version="1.0" encoding="utf-8"?>
 <ds:datastoreItem xmlns:ds="http://schemas.openxmlformats.org/officeDocument/2006/customXml" ds:itemID="{604E9F94-A623-400F-85C1-C263D07559AD}">
   <ds:schemaRefs>
     <ds:schemaRef ds:uri="http://schemas.microsoft.com/VisualStudio/2011/storyboarding/control"/>
@@ -19227,23 +19513,23 @@
 </ds:datastoreItem>
 </file>
 
-<file path=customXml/itemProps22.xml><?xml version="1.0" encoding="utf-8"?>
-<ds:datastoreItem xmlns:ds="http://schemas.openxmlformats.org/officeDocument/2006/customXml" ds:itemID="{5F8E4B39-2514-4CA6-AF65-B4027DBFE406}">
+<file path=customXml/itemProps4.xml><?xml version="1.0" encoding="utf-8"?>
+<ds:datastoreItem xmlns:ds="http://schemas.openxmlformats.org/officeDocument/2006/customXml" ds:itemID="{BFA611A4-E7DD-4603-BB6A-2164CBF6DB8C}">
   <ds:schemaRefs>
     <ds:schemaRef ds:uri="http://schemas.microsoft.com/VisualStudio/2011/storyboarding/control"/>
   </ds:schemaRefs>
 </ds:datastoreItem>
 </file>
 
-<file path=customXml/itemProps23.xml><?xml version="1.0" encoding="utf-8"?>
-<ds:datastoreItem xmlns:ds="http://schemas.openxmlformats.org/officeDocument/2006/customXml" ds:itemID="{39CDCB66-237D-4952-997D-4EBC8293DA25}">
+<file path=customXml/itemProps5.xml><?xml version="1.0" encoding="utf-8"?>
+<ds:datastoreItem xmlns:ds="http://schemas.openxmlformats.org/officeDocument/2006/customXml" ds:itemID="{538A3BA5-1461-41DE-A994-46DB681A02E1}">
   <ds:schemaRefs>
     <ds:schemaRef ds:uri="http://schemas.microsoft.com/VisualStudio/2011/storyboarding/control"/>
   </ds:schemaRefs>
 </ds:datastoreItem>
 </file>
 
-<file path=customXml/itemProps24.xml><?xml version="1.0" encoding="utf-8"?>
+<file path=customXml/itemProps6.xml><?xml version="1.0" encoding="utf-8"?>
 <ds:datastoreItem xmlns:ds="http://schemas.openxmlformats.org/officeDocument/2006/customXml" ds:itemID="{753CD8B4-040B-4198-BB4B-EC3E69834A34}">
   <ds:schemaRefs>
     <ds:schemaRef ds:uri="http://schemas.microsoft.com/VisualStudio/2011/storyboarding/control"/>
@@ -19251,71 +19537,7 @@
 </ds:datastoreItem>
 </file>
 
-<file path=customXml/itemProps25.xml><?xml version="1.0" encoding="utf-8"?>
-<ds:datastoreItem xmlns:ds="http://schemas.openxmlformats.org/officeDocument/2006/customXml" ds:itemID="{C909926A-E528-4870-B471-51E49E6FDDDA}">
-  <ds:schemaRefs>
-    <ds:schemaRef ds:uri="http://schemas.microsoft.com/VisualStudio/2011/storyboarding/control"/>
-  </ds:schemaRefs>
-</ds:datastoreItem>
-</file>
-
-<file path=customXml/itemProps26.xml><?xml version="1.0" encoding="utf-8"?>
-<ds:datastoreItem xmlns:ds="http://schemas.openxmlformats.org/officeDocument/2006/customXml" ds:itemID="{E0DB0C50-63E4-4721-BA81-8371246A9C9E}">
-  <ds:schemaRefs>
-    <ds:schemaRef ds:uri="http://schemas.microsoft.com/VisualStudio/2011/storyboarding/control"/>
-  </ds:schemaRefs>
-</ds:datastoreItem>
-</file>
-
-<file path=customXml/itemProps27.xml><?xml version="1.0" encoding="utf-8"?>
-<ds:datastoreItem xmlns:ds="http://schemas.openxmlformats.org/officeDocument/2006/customXml" ds:itemID="{154FACEB-F3BF-4191-AE2E-67A5B5DFFA27}">
-  <ds:schemaRefs>
-    <ds:schemaRef ds:uri="http://schemas.microsoft.com/VisualStudio/2011/storyboarding/control"/>
-  </ds:schemaRefs>
-</ds:datastoreItem>
-</file>
-
-<file path=customXml/itemProps28.xml><?xml version="1.0" encoding="utf-8"?>
-<ds:datastoreItem xmlns:ds="http://schemas.openxmlformats.org/officeDocument/2006/customXml" ds:itemID="{27E6D0F4-73A0-421D-92D0-049E8989F9EF}">
-  <ds:schemaRefs>
-    <ds:schemaRef ds:uri="http://schemas.microsoft.com/VisualStudio/2011/storyboarding/control"/>
-  </ds:schemaRefs>
-</ds:datastoreItem>
-</file>
-
-<file path=customXml/itemProps29.xml><?xml version="1.0" encoding="utf-8"?>
-<ds:datastoreItem xmlns:ds="http://schemas.openxmlformats.org/officeDocument/2006/customXml" ds:itemID="{BFA611A4-E7DD-4603-BB6A-2164CBF6DB8C}">
-  <ds:schemaRefs>
-    <ds:schemaRef ds:uri="http://schemas.microsoft.com/VisualStudio/2011/storyboarding/control"/>
-  </ds:schemaRefs>
-</ds:datastoreItem>
-</file>
-
-<file path=customXml/itemProps3.xml><?xml version="1.0" encoding="utf-8"?>
-<ds:datastoreItem xmlns:ds="http://schemas.openxmlformats.org/officeDocument/2006/customXml" ds:itemID="{602A176D-DD9A-4555-ABCE-0CAAEBDBAF6D}">
-  <ds:schemaRefs>
-    <ds:schemaRef ds:uri="http://schemas.microsoft.com/VisualStudio/2011/storyboarding/control"/>
-  </ds:schemaRefs>
-</ds:datastoreItem>
-</file>
-
-<file path=customXml/itemProps30.xml><?xml version="1.0" encoding="utf-8"?>
-<ds:datastoreItem xmlns:ds="http://schemas.openxmlformats.org/officeDocument/2006/customXml" ds:itemID="{DA8DFECD-CF6E-4553-8828-1176E5D29DA6}">
-  <ds:schemaRefs>
-    <ds:schemaRef ds:uri="http://schemas.microsoft.com/VisualStudio/2011/storyboarding/control"/>
-  </ds:schemaRefs>
-</ds:datastoreItem>
-</file>
-
-<file path=customXml/itemProps31.xml><?xml version="1.0" encoding="utf-8"?>
-<ds:datastoreItem xmlns:ds="http://schemas.openxmlformats.org/officeDocument/2006/customXml" ds:itemID="{3331FA1E-2E43-48FF-A342-CCAB98704884}">
-  <ds:schemaRefs>
-    <ds:schemaRef ds:uri="http://schemas.microsoft.com/VisualStudio/2011/storyboarding/control"/>
-  </ds:schemaRefs>
-</ds:datastoreItem>
-</file>
-
-<file path=customXml/itemProps32.xml><?xml version="1.0" encoding="utf-8"?>
+<file path=customXml/itemProps7.xml><?xml version="1.0" encoding="utf-8"?>
 <ds:datastoreItem xmlns:ds="http://schemas.openxmlformats.org/officeDocument/2006/customXml" ds:itemID="{56EB5809-7D20-4256-A68D-4622C77D541A}">
   <ds:schemaRefs>
     <ds:schemaRef ds:uri="http://schemas.microsoft.com/VisualStudio/2011/storyboarding/control"/>
@@ -19323,23 +19545,7 @@
 </ds:datastoreItem>
 </file>
 
-<file path=customXml/itemProps33.xml><?xml version="1.0" encoding="utf-8"?>
-<ds:datastoreItem xmlns:ds="http://schemas.openxmlformats.org/officeDocument/2006/customXml" ds:itemID="{4A94AC37-B8C6-4C7A-80FD-1BB83E59137C}">
-  <ds:schemaRefs>
-    <ds:schemaRef ds:uri="http://schemas.microsoft.com/VisualStudio/2011/storyboarding/control"/>
-  </ds:schemaRefs>
-</ds:datastoreItem>
-</file>
-
-<file path=customXml/itemProps4.xml><?xml version="1.0" encoding="utf-8"?>
-<ds:datastoreItem xmlns:ds="http://schemas.openxmlformats.org/officeDocument/2006/customXml" ds:itemID="{D12F2BFF-C618-42A7-A799-D8722515C0FA}">
-  <ds:schemaRefs>
-    <ds:schemaRef ds:uri="http://schemas.microsoft.com/VisualStudio/2011/storyboarding/control"/>
-  </ds:schemaRefs>
-</ds:datastoreItem>
-</file>
-
-<file path=customXml/itemProps5.xml><?xml version="1.0" encoding="utf-8"?>
+<file path=customXml/itemProps8.xml><?xml version="1.0" encoding="utf-8"?>
 <ds:datastoreItem xmlns:ds="http://schemas.openxmlformats.org/officeDocument/2006/customXml" ds:itemID="{C9A349EB-25C0-432F-BCC6-B672C9EAA1C2}">
   <ds:schemaRefs>
     <ds:schemaRef ds:uri="http://schemas.microsoft.com/VisualStudio/2011/storyboarding/control"/>
@@ -19347,32 +19553,8 @@
 </ds:datastoreItem>
 </file>
 
-<file path=customXml/itemProps6.xml><?xml version="1.0" encoding="utf-8"?>
-<ds:datastoreItem xmlns:ds="http://schemas.openxmlformats.org/officeDocument/2006/customXml" ds:itemID="{F0F1AE6D-CE96-405A-BBB8-FBC1367D7C33}">
-  <ds:schemaRefs>
-    <ds:schemaRef ds:uri="http://schemas.microsoft.com/VisualStudio/2011/storyboarding/control"/>
-  </ds:schemaRefs>
-</ds:datastoreItem>
-</file>
-
-<file path=customXml/itemProps7.xml><?xml version="1.0" encoding="utf-8"?>
-<ds:datastoreItem xmlns:ds="http://schemas.openxmlformats.org/officeDocument/2006/customXml" ds:itemID="{787285B2-73EA-450E-8BD1-A7D5248937C3}">
-  <ds:schemaRefs>
-    <ds:schemaRef ds:uri="http://schemas.microsoft.com/VisualStudio/2011/storyboarding/control"/>
-  </ds:schemaRefs>
-</ds:datastoreItem>
-</file>
-
-<file path=customXml/itemProps8.xml><?xml version="1.0" encoding="utf-8"?>
-<ds:datastoreItem xmlns:ds="http://schemas.openxmlformats.org/officeDocument/2006/customXml" ds:itemID="{83121EFB-4893-415B-B7BD-F940E893B2BD}">
-  <ds:schemaRefs>
-    <ds:schemaRef ds:uri="http://schemas.microsoft.com/VisualStudio/2011/storyboarding/control"/>
-  </ds:schemaRefs>
-</ds:datastoreItem>
-</file>
-
 <file path=customXml/itemProps9.xml><?xml version="1.0" encoding="utf-8"?>
-<ds:datastoreItem xmlns:ds="http://schemas.openxmlformats.org/officeDocument/2006/customXml" ds:itemID="{E8D58784-6638-42AD-B156-E7A3D4C8BF62}">
+<ds:datastoreItem xmlns:ds="http://schemas.openxmlformats.org/officeDocument/2006/customXml" ds:itemID="{ED5250E8-1F5D-4866-AE6A-F77DB7393982}">
   <ds:schemaRefs>
     <ds:schemaRef ds:uri="http://schemas.microsoft.com/VisualStudio/2011/storyboarding/control"/>
   </ds:schemaRefs>

--- a/UnitTesting.pptx
+++ b/UnitTesting.pptx
@@ -20,8 +20,8 @@
     <p:sldId id="328" r:id="rId44"/>
     <p:sldId id="330" r:id="rId45"/>
     <p:sldId id="323" r:id="rId46"/>
-    <p:sldId id="325" r:id="rId47"/>
-    <p:sldId id="333" r:id="rId48"/>
+    <p:sldId id="333" r:id="rId47"/>
+    <p:sldId id="325" r:id="rId48"/>
     <p:sldId id="327" r:id="rId49"/>
     <p:sldId id="329" r:id="rId50"/>
     <p:sldId id="336" r:id="rId51"/>
@@ -155,8 +155,8 @@
             <p14:sldId id="328"/>
             <p14:sldId id="330"/>
             <p14:sldId id="323"/>
+            <p14:sldId id="333"/>
             <p14:sldId id="325"/>
-            <p14:sldId id="333"/>
             <p14:sldId id="327"/>
             <p14:sldId id="329"/>
             <p14:sldId id="336"/>
@@ -280,7 +280,7 @@
           <a:p>
             <a:fld id="{46C003B6-BCEA-46F3-841E-7B3EC6052E68}" type="datetimeFigureOut">
               <a:rPr lang="en-BE" smtClean="0"/>
-              <a:t>25/08/2022</a:t>
+              <a:t>06/03/2024</a:t>
             </a:fld>
             <a:endParaRPr lang="en-BE"/>
           </a:p>
@@ -1138,7 +1138,71 @@
               <a:buFont typeface="Arial" panose="020B0604020202020204" pitchFamily="34" charset="0"/>
               <a:buNone/>
             </a:pPr>
-            <a:endParaRPr lang="en-BE" dirty="0"/>
+            <a:r>
+              <a:rPr lang="en-US" b="1" dirty="0"/>
+              <a:t>State</a:t>
+            </a:r>
+            <a:r>
+              <a:rPr lang="en-US" dirty="0"/>
+              <a:t>:</a:t>
+            </a:r>
+          </a:p>
+          <a:p>
+            <a:pPr marL="0" indent="0">
+              <a:buFont typeface="Arial" panose="020B0604020202020204" pitchFamily="34" charset="0"/>
+              <a:buNone/>
+            </a:pPr>
+            <a:r>
+              <a:rPr lang="en-US" dirty="0"/>
+              <a:t>When updating an entity, the audit fields </a:t>
+            </a:r>
+            <a:r>
+              <a:rPr lang="en-US" dirty="0" err="1"/>
+              <a:t>LastModifiedBy</a:t>
+            </a:r>
+            <a:r>
+              <a:rPr lang="en-US" dirty="0"/>
+              <a:t> and </a:t>
+            </a:r>
+            <a:r>
+              <a:rPr lang="en-US" dirty="0" err="1"/>
+              <a:t>LastModifiedOn</a:t>
+            </a:r>
+            <a:r>
+              <a:rPr lang="en-US" dirty="0"/>
+              <a:t> are properly updated. Checking the value of properties of the class.</a:t>
+            </a:r>
+          </a:p>
+          <a:p>
+            <a:pPr marL="0" indent="0">
+              <a:buFont typeface="Arial" panose="020B0604020202020204" pitchFamily="34" charset="0"/>
+              <a:buNone/>
+            </a:pPr>
+            <a:endParaRPr lang="en-US" dirty="0"/>
+          </a:p>
+          <a:p>
+            <a:pPr marL="0" indent="0">
+              <a:buFont typeface="Arial" panose="020B0604020202020204" pitchFamily="34" charset="0"/>
+              <a:buNone/>
+            </a:pPr>
+            <a:r>
+              <a:rPr lang="en-US" b="1" dirty="0"/>
+              <a:t>Behavior</a:t>
+            </a:r>
+            <a:r>
+              <a:rPr lang="en-US" dirty="0"/>
+              <a:t>:</a:t>
+            </a:r>
+          </a:p>
+          <a:p>
+            <a:pPr marL="0" indent="0">
+              <a:buFont typeface="Arial" panose="020B0604020202020204" pitchFamily="34" charset="0"/>
+              <a:buNone/>
+            </a:pPr>
+            <a:r>
+              <a:rPr lang="en-US" dirty="0"/>
+              <a:t>Verify that a method was (not) called, or called with specific arguments.</a:t>
+            </a:r>
           </a:p>
         </p:txBody>
       </p:sp>
@@ -1168,7 +1232,7 @@
     </p:spTree>
     <p:extLst>
       <p:ext uri="{BB962C8B-B14F-4D97-AF65-F5344CB8AC3E}">
-        <p14:creationId xmlns:p14="http://schemas.microsoft.com/office/powerpoint/2010/main" val="4101160565"/>
+        <p14:creationId xmlns:p14="http://schemas.microsoft.com/office/powerpoint/2010/main" val="1592903963"/>
       </p:ext>
     </p:extLst>
   </p:cSld>
@@ -1226,71 +1290,7 @@
               <a:buFont typeface="Arial" panose="020B0604020202020204" pitchFamily="34" charset="0"/>
               <a:buNone/>
             </a:pPr>
-            <a:r>
-              <a:rPr lang="en-US" b="1" dirty="0"/>
-              <a:t>State</a:t>
-            </a:r>
-            <a:r>
-              <a:rPr lang="en-US" dirty="0"/>
-              <a:t>:</a:t>
-            </a:r>
-          </a:p>
-          <a:p>
-            <a:pPr marL="0" indent="0">
-              <a:buFont typeface="Arial" panose="020B0604020202020204" pitchFamily="34" charset="0"/>
-              <a:buNone/>
-            </a:pPr>
-            <a:r>
-              <a:rPr lang="en-US" dirty="0"/>
-              <a:t>When updating an entity, the audit fields </a:t>
-            </a:r>
-            <a:r>
-              <a:rPr lang="en-US" dirty="0" err="1"/>
-              <a:t>LastModifiedBy</a:t>
-            </a:r>
-            <a:r>
-              <a:rPr lang="en-US" dirty="0"/>
-              <a:t> and </a:t>
-            </a:r>
-            <a:r>
-              <a:rPr lang="en-US" dirty="0" err="1"/>
-              <a:t>LastModifiedOn</a:t>
-            </a:r>
-            <a:r>
-              <a:rPr lang="en-US" dirty="0"/>
-              <a:t> are properly updated. Checking the value of properties of the class.</a:t>
-            </a:r>
-          </a:p>
-          <a:p>
-            <a:pPr marL="0" indent="0">
-              <a:buFont typeface="Arial" panose="020B0604020202020204" pitchFamily="34" charset="0"/>
-              <a:buNone/>
-            </a:pPr>
-            <a:endParaRPr lang="en-US" dirty="0"/>
-          </a:p>
-          <a:p>
-            <a:pPr marL="0" indent="0">
-              <a:buFont typeface="Arial" panose="020B0604020202020204" pitchFamily="34" charset="0"/>
-              <a:buNone/>
-            </a:pPr>
-            <a:r>
-              <a:rPr lang="en-US" b="1" dirty="0"/>
-              <a:t>Behavior</a:t>
-            </a:r>
-            <a:r>
-              <a:rPr lang="en-US" dirty="0"/>
-              <a:t>:</a:t>
-            </a:r>
-          </a:p>
-          <a:p>
-            <a:pPr marL="0" indent="0">
-              <a:buFont typeface="Arial" panose="020B0604020202020204" pitchFamily="34" charset="0"/>
-              <a:buNone/>
-            </a:pPr>
-            <a:r>
-              <a:rPr lang="en-US" dirty="0"/>
-              <a:t>Verify that a method was (not) called, or called with specific arguments.</a:t>
-            </a:r>
+            <a:endParaRPr lang="en-BE" dirty="0"/>
           </a:p>
         </p:txBody>
       </p:sp>
@@ -1320,7 +1320,7 @@
     </p:spTree>
     <p:extLst>
       <p:ext uri="{BB962C8B-B14F-4D97-AF65-F5344CB8AC3E}">
-        <p14:creationId xmlns:p14="http://schemas.microsoft.com/office/powerpoint/2010/main" val="1592903963"/>
+        <p14:creationId xmlns:p14="http://schemas.microsoft.com/office/powerpoint/2010/main" val="4101160565"/>
       </p:ext>
     </p:extLst>
   </p:cSld>
@@ -5993,7 +5993,7 @@
             <a:fld id="{B61BEF0D-F0BB-DE4B-95CE-6DB70DBA9567}" type="datetimeFigureOut">
               <a:rPr lang="en-US" dirty="0"/>
               <a:pPr/>
-              <a:t>8/25/2022</a:t>
+              <a:t>3/6/2024</a:t>
             </a:fld>
             <a:endParaRPr lang="en-US" dirty="0"/>
           </a:p>
@@ -6281,7 +6281,7 @@
             <a:fld id="{B61BEF0D-F0BB-DE4B-95CE-6DB70DBA9567}" type="datetimeFigureOut">
               <a:rPr lang="en-US" dirty="0"/>
               <a:pPr/>
-              <a:t>8/25/2022</a:t>
+              <a:t>3/6/2024</a:t>
             </a:fld>
             <a:endParaRPr lang="en-US" dirty="0"/>
           </a:p>
@@ -6526,7 +6526,7 @@
             <a:fld id="{B61BEF0D-F0BB-DE4B-95CE-6DB70DBA9567}" type="datetimeFigureOut">
               <a:rPr lang="en-US" dirty="0"/>
               <a:pPr/>
-              <a:t>8/25/2022</a:t>
+              <a:t>3/6/2024</a:t>
             </a:fld>
             <a:endParaRPr lang="en-US" dirty="0"/>
           </a:p>
@@ -7059,7 +7059,7 @@
             <a:fld id="{B61BEF0D-F0BB-DE4B-95CE-6DB70DBA9567}" type="datetimeFigureOut">
               <a:rPr lang="en-US" dirty="0"/>
               <a:pPr/>
-              <a:t>8/25/2022</a:t>
+              <a:t>3/6/2024</a:t>
             </a:fld>
             <a:endParaRPr lang="en-US" dirty="0"/>
           </a:p>
@@ -7304,7 +7304,7 @@
             <a:fld id="{B61BEF0D-F0BB-DE4B-95CE-6DB70DBA9567}" type="datetimeFigureOut">
               <a:rPr lang="en-US" dirty="0"/>
               <a:pPr/>
-              <a:t>8/25/2022</a:t>
+              <a:t>3/6/2024</a:t>
             </a:fld>
             <a:endParaRPr lang="en-US" dirty="0"/>
           </a:p>
@@ -7844,7 +7844,7 @@
             <a:fld id="{B61BEF0D-F0BB-DE4B-95CE-6DB70DBA9567}" type="datetimeFigureOut">
               <a:rPr lang="en-US" dirty="0"/>
               <a:pPr/>
-              <a:t>8/25/2022</a:t>
+              <a:t>3/6/2024</a:t>
             </a:fld>
             <a:endParaRPr lang="en-US" dirty="0"/>
           </a:p>
@@ -8151,7 +8151,7 @@
             <a:fld id="{B61BEF0D-F0BB-DE4B-95CE-6DB70DBA9567}" type="datetimeFigureOut">
               <a:rPr lang="en-US" dirty="0"/>
               <a:pPr/>
-              <a:t>8/25/2022</a:t>
+              <a:t>3/6/2024</a:t>
             </a:fld>
             <a:endParaRPr lang="en-US" dirty="0"/>
           </a:p>
@@ -8323,7 +8323,7 @@
             <a:fld id="{B61BEF0D-F0BB-DE4B-95CE-6DB70DBA9567}" type="datetimeFigureOut">
               <a:rPr lang="en-US" dirty="0"/>
               <a:pPr/>
-              <a:t>8/25/2022</a:t>
+              <a:t>3/6/2024</a:t>
             </a:fld>
             <a:endParaRPr lang="en-US" dirty="0"/>
           </a:p>
@@ -8500,7 +8500,7 @@
             <a:fld id="{B61BEF0D-F0BB-DE4B-95CE-6DB70DBA9567}" type="datetimeFigureOut">
               <a:rPr lang="en-US" dirty="0"/>
               <a:pPr/>
-              <a:t>8/25/2022</a:t>
+              <a:t>3/6/2024</a:t>
             </a:fld>
             <a:endParaRPr lang="en-US" dirty="0"/>
           </a:p>
@@ -8667,7 +8667,7 @@
             <a:fld id="{B61BEF0D-F0BB-DE4B-95CE-6DB70DBA9567}" type="datetimeFigureOut">
               <a:rPr lang="en-US" dirty="0"/>
               <a:pPr/>
-              <a:t>8/25/2022</a:t>
+              <a:t>3/6/2024</a:t>
             </a:fld>
             <a:endParaRPr lang="en-US" dirty="0"/>
           </a:p>
@@ -8910,7 +8910,7 @@
             <a:fld id="{B61BEF0D-F0BB-DE4B-95CE-6DB70DBA9567}" type="datetimeFigureOut">
               <a:rPr lang="en-US" dirty="0"/>
               <a:pPr/>
-              <a:t>8/25/2022</a:t>
+              <a:t>3/6/2024</a:t>
             </a:fld>
             <a:endParaRPr lang="en-US" dirty="0"/>
           </a:p>
@@ -9199,7 +9199,7 @@
             <a:fld id="{B61BEF0D-F0BB-DE4B-95CE-6DB70DBA9567}" type="datetimeFigureOut">
               <a:rPr lang="en-US" dirty="0"/>
               <a:pPr/>
-              <a:t>8/25/2022</a:t>
+              <a:t>3/6/2024</a:t>
             </a:fld>
             <a:endParaRPr lang="en-US" dirty="0"/>
           </a:p>
@@ -9626,7 +9626,7 @@
             <a:fld id="{B61BEF0D-F0BB-DE4B-95CE-6DB70DBA9567}" type="datetimeFigureOut">
               <a:rPr lang="en-US" dirty="0"/>
               <a:pPr/>
-              <a:t>8/25/2022</a:t>
+              <a:t>3/6/2024</a:t>
             </a:fld>
             <a:endParaRPr lang="en-US" dirty="0"/>
           </a:p>
@@ -9746,7 +9746,7 @@
             <a:fld id="{B61BEF0D-F0BB-DE4B-95CE-6DB70DBA9567}" type="datetimeFigureOut">
               <a:rPr lang="en-US" dirty="0"/>
               <a:pPr/>
-              <a:t>8/25/2022</a:t>
+              <a:t>3/6/2024</a:t>
             </a:fld>
             <a:endParaRPr lang="en-US" dirty="0"/>
           </a:p>
@@ -9838,7 +9838,7 @@
             <a:fld id="{B61BEF0D-F0BB-DE4B-95CE-6DB70DBA9567}" type="datetimeFigureOut">
               <a:rPr lang="en-US" dirty="0"/>
               <a:pPr/>
-              <a:t>8/25/2022</a:t>
+              <a:t>3/6/2024</a:t>
             </a:fld>
             <a:endParaRPr lang="en-US" dirty="0"/>
           </a:p>
@@ -10118,7 +10118,7 @@
             <a:fld id="{B61BEF0D-F0BB-DE4B-95CE-6DB70DBA9567}" type="datetimeFigureOut">
               <a:rPr lang="en-US" dirty="0"/>
               <a:pPr/>
-              <a:t>8/25/2022</a:t>
+              <a:t>3/6/2024</a:t>
             </a:fld>
             <a:endParaRPr lang="en-US" dirty="0"/>
           </a:p>
@@ -10406,7 +10406,7 @@
             <a:fld id="{B61BEF0D-F0BB-DE4B-95CE-6DB70DBA9567}" type="datetimeFigureOut">
               <a:rPr lang="en-US" dirty="0"/>
               <a:pPr/>
-              <a:t>8/25/2022</a:t>
+              <a:t>3/6/2024</a:t>
             </a:fld>
             <a:endParaRPr lang="en-US" dirty="0"/>
           </a:p>
@@ -10634,7 +10634,7 @@
             <a:fld id="{B61BEF0D-F0BB-DE4B-95CE-6DB70DBA9567}" type="datetimeFigureOut">
               <a:rPr lang="en-US" dirty="0"/>
               <a:pPr/>
-              <a:t>8/25/2022</a:t>
+              <a:t>3/6/2024</a:t>
             </a:fld>
             <a:endParaRPr lang="en-US" dirty="0"/>
           </a:p>
@@ -11555,6 +11555,261 @@
           </a:p>
         </p:txBody>
       </p:sp>
+      <p:sp>
+        <p:nvSpPr>
+          <p:cNvPr id="2" name="Rectangle: Rounded Corners 1">
+            <a:extLst>
+              <a:ext uri="{FF2B5EF4-FFF2-40B4-BE49-F238E27FC236}">
+                <a16:creationId xmlns:a16="http://schemas.microsoft.com/office/drawing/2014/main" id="{AC6287BB-437C-DC46-D529-0B9F90CCF852}"/>
+              </a:ext>
+            </a:extLst>
+          </p:cNvPr>
+          <p:cNvSpPr/>
+          <p:nvPr/>
+        </p:nvSpPr>
+        <p:spPr>
+          <a:xfrm>
+            <a:off x="9775774" y="6336516"/>
+            <a:ext cx="2357042" cy="409737"/>
+          </a:xfrm>
+          <a:prstGeom prst="roundRect">
+            <a:avLst/>
+          </a:prstGeom>
+        </p:spPr>
+        <p:style>
+          <a:lnRef idx="2">
+            <a:schemeClr val="accent1">
+              <a:shade val="50000"/>
+            </a:schemeClr>
+          </a:lnRef>
+          <a:fillRef idx="1">
+            <a:schemeClr val="accent1"/>
+          </a:fillRef>
+          <a:effectRef idx="0">
+            <a:schemeClr val="accent1"/>
+          </a:effectRef>
+          <a:fontRef idx="minor">
+            <a:schemeClr val="lt1"/>
+          </a:fontRef>
+        </p:style>
+        <p:txBody>
+          <a:bodyPr rtlCol="0" anchor="ctr"/>
+          <a:lstStyle/>
+          <a:p>
+            <a:pPr algn="ctr"/>
+            <a:r>
+              <a:rPr lang="en-US" dirty="0" err="1"/>
+              <a:t>ArchitectureTrack</a:t>
+            </a:r>
+            <a:endParaRPr lang="en-BE" dirty="0"/>
+          </a:p>
+        </p:txBody>
+      </p:sp>
+      <p:sp>
+        <p:nvSpPr>
+          <p:cNvPr id="3" name="Rectangle 2">
+            <a:extLst>
+              <a:ext uri="{FF2B5EF4-FFF2-40B4-BE49-F238E27FC236}">
+                <a16:creationId xmlns:a16="http://schemas.microsoft.com/office/drawing/2014/main" id="{29175DD1-5BBD-D3E2-A8BA-2C33988FD451}"/>
+              </a:ext>
+            </a:extLst>
+          </p:cNvPr>
+          <p:cNvSpPr/>
+          <p:nvPr/>
+        </p:nvSpPr>
+        <p:spPr>
+          <a:xfrm>
+            <a:off x="103789" y="5720903"/>
+            <a:ext cx="1846957" cy="441793"/>
+          </a:xfrm>
+          <a:prstGeom prst="rect">
+            <a:avLst/>
+          </a:prstGeom>
+        </p:spPr>
+        <p:style>
+          <a:lnRef idx="2">
+            <a:schemeClr val="accent6">
+              <a:shade val="50000"/>
+            </a:schemeClr>
+          </a:lnRef>
+          <a:fillRef idx="1">
+            <a:schemeClr val="accent6"/>
+          </a:fillRef>
+          <a:effectRef idx="0">
+            <a:schemeClr val="accent6"/>
+          </a:effectRef>
+          <a:fontRef idx="minor">
+            <a:schemeClr val="lt1"/>
+          </a:fontRef>
+        </p:style>
+        <p:txBody>
+          <a:bodyPr rtlCol="0" anchor="ctr"/>
+          <a:lstStyle/>
+          <a:p>
+            <a:pPr algn="ctr"/>
+            <a:r>
+              <a:rPr lang="fr-BE" dirty="0" err="1"/>
+              <a:t>Theoretical</a:t>
+            </a:r>
+            <a:endParaRPr lang="en-BE" dirty="0"/>
+          </a:p>
+        </p:txBody>
+      </p:sp>
+      <p:sp>
+        <p:nvSpPr>
+          <p:cNvPr id="7" name="Rectangle 6">
+            <a:extLst>
+              <a:ext uri="{FF2B5EF4-FFF2-40B4-BE49-F238E27FC236}">
+                <a16:creationId xmlns:a16="http://schemas.microsoft.com/office/drawing/2014/main" id="{14127FD2-6362-DB53-198B-CFC87BB4E808}"/>
+              </a:ext>
+            </a:extLst>
+          </p:cNvPr>
+          <p:cNvSpPr/>
+          <p:nvPr/>
+        </p:nvSpPr>
+        <p:spPr>
+          <a:xfrm>
+            <a:off x="103789" y="6255659"/>
+            <a:ext cx="1846957" cy="441793"/>
+          </a:xfrm>
+          <a:prstGeom prst="rect">
+            <a:avLst/>
+          </a:prstGeom>
+        </p:spPr>
+        <p:style>
+          <a:lnRef idx="2">
+            <a:schemeClr val="accent4">
+              <a:shade val="50000"/>
+            </a:schemeClr>
+          </a:lnRef>
+          <a:fillRef idx="1">
+            <a:schemeClr val="accent4"/>
+          </a:fillRef>
+          <a:effectRef idx="0">
+            <a:schemeClr val="accent4"/>
+          </a:effectRef>
+          <a:fontRef idx="minor">
+            <a:schemeClr val="lt1"/>
+          </a:fontRef>
+        </p:style>
+        <p:txBody>
+          <a:bodyPr rtlCol="0" anchor="ctr"/>
+          <a:lstStyle/>
+          <a:p>
+            <a:pPr algn="ctr"/>
+            <a:r>
+              <a:rPr lang="fr-BE" dirty="0"/>
+              <a:t>Introduction</a:t>
+            </a:r>
+            <a:endParaRPr lang="en-BE" dirty="0"/>
+          </a:p>
+        </p:txBody>
+      </p:sp>
+      <p:sp>
+        <p:nvSpPr>
+          <p:cNvPr id="9" name="TextBox 8">
+            <a:extLst>
+              <a:ext uri="{FF2B5EF4-FFF2-40B4-BE49-F238E27FC236}">
+                <a16:creationId xmlns:a16="http://schemas.microsoft.com/office/drawing/2014/main" id="{C41CD924-5C90-4C62-8CD8-11B747175BCF}"/>
+              </a:ext>
+            </a:extLst>
+          </p:cNvPr>
+          <p:cNvSpPr txBox="1"/>
+          <p:nvPr/>
+        </p:nvSpPr>
+        <p:spPr>
+          <a:xfrm>
+            <a:off x="11327281" y="263415"/>
+            <a:ext cx="736980" cy="595932"/>
+          </a:xfrm>
+          <a:prstGeom prst="rect">
+            <a:avLst/>
+          </a:prstGeom>
+          <a:noFill/>
+        </p:spPr>
+        <p:txBody>
+          <a:bodyPr wrap="square" rtlCol="0">
+            <a:spAutoFit/>
+          </a:bodyPr>
+          <a:lstStyle/>
+          <a:p>
+            <a:pPr lvl="0">
+              <a:lnSpc>
+                <a:spcPct val="107000"/>
+              </a:lnSpc>
+            </a:pPr>
+            <a:r>
+              <a:rPr lang="en-US" sz="3200" dirty="0">
+                <a:latin typeface="Calibri" panose="020F0502020204030204" pitchFamily="34" charset="0"/>
+                <a:ea typeface="Calibri" panose="020F0502020204030204" pitchFamily="34" charset="0"/>
+                <a:cs typeface="Times New Roman" panose="02020603050405020304" pitchFamily="18" charset="0"/>
+              </a:rPr>
+              <a:t>?</a:t>
+            </a:r>
+            <a:r>
+              <a:rPr lang="en-US" sz="3200">
+                <a:latin typeface="Calibri" panose="020F0502020204030204" pitchFamily="34" charset="0"/>
+                <a:ea typeface="Calibri" panose="020F0502020204030204" pitchFamily="34" charset="0"/>
+                <a:cs typeface="Times New Roman" panose="02020603050405020304" pitchFamily="18" charset="0"/>
+              </a:rPr>
+              <a:t>h</a:t>
+            </a:r>
+            <a:endParaRPr lang="en-BE" sz="3200" dirty="0">
+              <a:effectLst/>
+              <a:latin typeface="Calibri" panose="020F0502020204030204" pitchFamily="34" charset="0"/>
+              <a:ea typeface="Calibri" panose="020F0502020204030204" pitchFamily="34" charset="0"/>
+              <a:cs typeface="Times New Roman" panose="02020603050405020304" pitchFamily="18" charset="0"/>
+            </a:endParaRPr>
+          </a:p>
+        </p:txBody>
+      </p:sp>
+      <p:pic>
+        <p:nvPicPr>
+          <p:cNvPr id="10" name="Picture 2" descr="Clock PNG, Clock Transparent Background - FreeIconsPNG">
+            <a:extLst>
+              <a:ext uri="{FF2B5EF4-FFF2-40B4-BE49-F238E27FC236}">
+                <a16:creationId xmlns:a16="http://schemas.microsoft.com/office/drawing/2014/main" id="{89ABC115-B3D4-4CF8-9017-BF92F15AB44E}"/>
+              </a:ext>
+            </a:extLst>
+          </p:cNvPr>
+          <p:cNvPicPr>
+            <a:picLocks noChangeAspect="1" noChangeArrowheads="1"/>
+          </p:cNvPicPr>
+          <p:nvPr/>
+        </p:nvPicPr>
+        <p:blipFill>
+          <a:blip r:embed="rId6">
+            <a:extLst>
+              <a:ext uri="{28A0092B-C50C-407E-A947-70E740481C1C}">
+                <a14:useLocalDpi xmlns:a14="http://schemas.microsoft.com/office/drawing/2010/main" val="0"/>
+              </a:ext>
+            </a:extLst>
+          </a:blip>
+          <a:srcRect/>
+          <a:stretch>
+            <a:fillRect/>
+          </a:stretch>
+        </p:blipFill>
+        <p:spPr bwMode="auto">
+          <a:xfrm>
+            <a:off x="10467472" y="192891"/>
+            <a:ext cx="736980" cy="736980"/>
+          </a:xfrm>
+          <a:prstGeom prst="rect">
+            <a:avLst/>
+          </a:prstGeom>
+          <a:noFill/>
+          <a:extLst>
+            <a:ext uri="{909E8E84-426E-40DD-AFC4-6F175D3DCCD1}">
+              <a14:hiddenFill xmlns:a14="http://schemas.microsoft.com/office/drawing/2010/main">
+                <a:solidFill>
+                  <a:srgbClr val="FFFFFF"/>
+                </a:solidFill>
+              </a14:hiddenFill>
+            </a:ext>
+          </a:extLst>
+        </p:spPr>
+      </p:pic>
     </p:spTree>
     <p:extLst>
       <p:ext uri="{BB962C8B-B14F-4D97-AF65-F5344CB8AC3E}">
@@ -12304,6 +12559,234 @@
 </file>
 
 <file path=ppt/slides/slide13.xml><?xml version="1.0" encoding="utf-8"?>
+<p:sld xmlns:a="http://schemas.openxmlformats.org/drawingml/2006/main" xmlns:r="http://schemas.openxmlformats.org/officeDocument/2006/relationships" xmlns:p="http://schemas.openxmlformats.org/presentationml/2006/main">
+  <p:cSld>
+    <p:spTree>
+      <p:nvGrpSpPr>
+        <p:cNvPr id="1" name=""/>
+        <p:cNvGrpSpPr/>
+        <p:nvPr/>
+      </p:nvGrpSpPr>
+      <p:grpSpPr>
+        <a:xfrm>
+          <a:off x="0" y="0"/>
+          <a:ext cx="0" cy="0"/>
+          <a:chOff x="0" y="0"/>
+          <a:chExt cx="0" cy="0"/>
+        </a:xfrm>
+      </p:grpSpPr>
+      <p:pic>
+        <p:nvPicPr>
+          <p:cNvPr id="6" name="Picture 5">
+            <a:extLst>
+              <a:ext uri="{FF2B5EF4-FFF2-40B4-BE49-F238E27FC236}">
+                <a16:creationId xmlns:a16="http://schemas.microsoft.com/office/drawing/2014/main" id="{7D1150AD-E424-490F-A3E6-147D047AF505}"/>
+              </a:ext>
+            </a:extLst>
+          </p:cNvPr>
+          <p:cNvPicPr>
+            <a:picLocks noChangeAspect="1"/>
+          </p:cNvPicPr>
+          <p:nvPr>
+            <p:custDataLst>
+              <p:custData r:id="rId1"/>
+            </p:custDataLst>
+          </p:nvPr>
+        </p:nvPicPr>
+        <p:blipFill>
+          <a:blip r:embed="rId4"/>
+          <a:stretch>
+            <a:fillRect/>
+          </a:stretch>
+        </p:blipFill>
+        <p:spPr>
+          <a:xfrm>
+            <a:off x="-88884" y="-22188"/>
+            <a:ext cx="3183776" cy="860893"/>
+          </a:xfrm>
+          <a:prstGeom prst="rect">
+            <a:avLst/>
+          </a:prstGeom>
+        </p:spPr>
+      </p:pic>
+      <p:sp>
+        <p:nvSpPr>
+          <p:cNvPr id="4" name="Title 3">
+            <a:extLst>
+              <a:ext uri="{FF2B5EF4-FFF2-40B4-BE49-F238E27FC236}">
+                <a16:creationId xmlns:a16="http://schemas.microsoft.com/office/drawing/2014/main" id="{29D87857-8B86-4E40-B4FD-6ECD4DA8BEC6}"/>
+              </a:ext>
+            </a:extLst>
+          </p:cNvPr>
+          <p:cNvSpPr>
+            <a:spLocks noGrp="1"/>
+          </p:cNvSpPr>
+          <p:nvPr>
+            <p:ph type="ctrTitle"/>
+          </p:nvPr>
+        </p:nvSpPr>
+        <p:spPr>
+          <a:xfrm>
+            <a:off x="420888" y="838705"/>
+            <a:ext cx="11542512" cy="860893"/>
+          </a:xfrm>
+        </p:spPr>
+        <p:txBody>
+          <a:bodyPr/>
+          <a:lstStyle/>
+          <a:p>
+            <a:r>
+              <a:rPr lang="fr-BE" dirty="0"/>
+              <a:t>State vs </a:t>
+            </a:r>
+            <a:r>
+              <a:rPr lang="fr-BE" dirty="0" err="1"/>
+              <a:t>Behavior</a:t>
+            </a:r>
+            <a:r>
+              <a:rPr lang="fr-BE" dirty="0"/>
+              <a:t> </a:t>
+            </a:r>
+            <a:r>
+              <a:rPr lang="fr-BE" dirty="0" err="1"/>
+              <a:t>Testing</a:t>
+            </a:r>
+            <a:endParaRPr lang="en-BE" dirty="0"/>
+          </a:p>
+        </p:txBody>
+      </p:sp>
+      <p:sp>
+        <p:nvSpPr>
+          <p:cNvPr id="3" name="TextBox 2">
+            <a:extLst>
+              <a:ext uri="{FF2B5EF4-FFF2-40B4-BE49-F238E27FC236}">
+                <a16:creationId xmlns:a16="http://schemas.microsoft.com/office/drawing/2014/main" id="{8D7F2BCF-C00A-DB3B-11EB-B1FFF692D8EE}"/>
+              </a:ext>
+            </a:extLst>
+          </p:cNvPr>
+          <p:cNvSpPr txBox="1"/>
+          <p:nvPr/>
+        </p:nvSpPr>
+        <p:spPr>
+          <a:xfrm>
+            <a:off x="420888" y="1956230"/>
+            <a:ext cx="11891919" cy="3877280"/>
+          </a:xfrm>
+          <a:prstGeom prst="rect">
+            <a:avLst/>
+          </a:prstGeom>
+          <a:noFill/>
+        </p:spPr>
+        <p:txBody>
+          <a:bodyPr wrap="square" rtlCol="0">
+            <a:spAutoFit/>
+          </a:bodyPr>
+          <a:lstStyle/>
+          <a:p>
+            <a:pPr lvl="0">
+              <a:lnSpc>
+                <a:spcPct val="107000"/>
+              </a:lnSpc>
+            </a:pPr>
+            <a:r>
+              <a:rPr lang="en-US" sz="4800" b="1" dirty="0">
+                <a:effectLst/>
+                <a:latin typeface="Calibri" panose="020F0502020204030204" pitchFamily="34" charset="0"/>
+                <a:ea typeface="Calibri" panose="020F0502020204030204" pitchFamily="34" charset="0"/>
+                <a:cs typeface="Times New Roman" panose="02020603050405020304" pitchFamily="18" charset="0"/>
+              </a:rPr>
+              <a:t>State Testing:</a:t>
+            </a:r>
+            <a:br>
+              <a:rPr lang="en-US" sz="4800" dirty="0">
+                <a:effectLst/>
+                <a:latin typeface="Calibri" panose="020F0502020204030204" pitchFamily="34" charset="0"/>
+                <a:ea typeface="Calibri" panose="020F0502020204030204" pitchFamily="34" charset="0"/>
+                <a:cs typeface="Times New Roman" panose="02020603050405020304" pitchFamily="18" charset="0"/>
+              </a:rPr>
+            </a:br>
+            <a:r>
+              <a:rPr lang="en-US" sz="4000" dirty="0">
+                <a:effectLst/>
+                <a:latin typeface="Calibri" panose="020F0502020204030204" pitchFamily="34" charset="0"/>
+                <a:ea typeface="Calibri" panose="020F0502020204030204" pitchFamily="34" charset="0"/>
+                <a:cs typeface="Times New Roman" panose="02020603050405020304" pitchFamily="18" charset="0"/>
+              </a:rPr>
+              <a:t>Validate that a property has a certain value</a:t>
+            </a:r>
+            <a:endParaRPr lang="en-US" sz="4800" dirty="0">
+              <a:effectLst/>
+              <a:latin typeface="Calibri" panose="020F0502020204030204" pitchFamily="34" charset="0"/>
+              <a:ea typeface="Calibri" panose="020F0502020204030204" pitchFamily="34" charset="0"/>
+              <a:cs typeface="Times New Roman" panose="02020603050405020304" pitchFamily="18" charset="0"/>
+            </a:endParaRPr>
+          </a:p>
+          <a:p>
+            <a:pPr lvl="0">
+              <a:lnSpc>
+                <a:spcPct val="107000"/>
+              </a:lnSpc>
+            </a:pPr>
+            <a:endParaRPr lang="en-US" sz="4800" dirty="0">
+              <a:effectLst/>
+              <a:latin typeface="Calibri" panose="020F0502020204030204" pitchFamily="34" charset="0"/>
+              <a:ea typeface="Calibri" panose="020F0502020204030204" pitchFamily="34" charset="0"/>
+              <a:cs typeface="Times New Roman" panose="02020603050405020304" pitchFamily="18" charset="0"/>
+            </a:endParaRPr>
+          </a:p>
+          <a:p>
+            <a:pPr lvl="0">
+              <a:lnSpc>
+                <a:spcPct val="107000"/>
+              </a:lnSpc>
+            </a:pPr>
+            <a:r>
+              <a:rPr lang="en-US" sz="4800" b="1" dirty="0">
+                <a:latin typeface="Calibri" panose="020F0502020204030204" pitchFamily="34" charset="0"/>
+                <a:ea typeface="Calibri" panose="020F0502020204030204" pitchFamily="34" charset="0"/>
+                <a:cs typeface="Times New Roman" panose="02020603050405020304" pitchFamily="18" charset="0"/>
+              </a:rPr>
+              <a:t>Behavior Testing:</a:t>
+            </a:r>
+          </a:p>
+          <a:p>
+            <a:pPr lvl="0">
+              <a:lnSpc>
+                <a:spcPct val="107000"/>
+              </a:lnSpc>
+            </a:pPr>
+            <a:r>
+              <a:rPr lang="en-US" sz="4000" dirty="0">
+                <a:effectLst/>
+                <a:latin typeface="Calibri" panose="020F0502020204030204" pitchFamily="34" charset="0"/>
+                <a:ea typeface="Calibri" panose="020F0502020204030204" pitchFamily="34" charset="0"/>
+                <a:cs typeface="Times New Roman" panose="02020603050405020304" pitchFamily="18" charset="0"/>
+              </a:rPr>
+              <a:t>Validate that a method was (not) called</a:t>
+            </a:r>
+            <a:endParaRPr lang="en-BE" sz="4000" dirty="0">
+              <a:effectLst/>
+              <a:latin typeface="Calibri" panose="020F0502020204030204" pitchFamily="34" charset="0"/>
+              <a:ea typeface="Calibri" panose="020F0502020204030204" pitchFamily="34" charset="0"/>
+              <a:cs typeface="Times New Roman" panose="02020603050405020304" pitchFamily="18" charset="0"/>
+            </a:endParaRPr>
+          </a:p>
+        </p:txBody>
+      </p:sp>
+    </p:spTree>
+    <p:extLst>
+      <p:ext uri="{BB962C8B-B14F-4D97-AF65-F5344CB8AC3E}">
+        <p14:creationId xmlns:p14="http://schemas.microsoft.com/office/powerpoint/2010/main" val="4122116230"/>
+      </p:ext>
+    </p:extLst>
+  </p:cSld>
+  <p:clrMapOvr>
+    <a:masterClrMapping/>
+  </p:clrMapOvr>
+</p:sld>
+</file>
+
+<file path=ppt/slides/slide14.xml><?xml version="1.0" encoding="utf-8"?>
 <p:sld xmlns:a="http://schemas.openxmlformats.org/drawingml/2006/main" xmlns:r="http://schemas.openxmlformats.org/officeDocument/2006/relationships" xmlns:p="http://schemas.openxmlformats.org/presentationml/2006/main">
   <p:cSld>
     <p:spTree>
@@ -12439,234 +12922,6 @@
     <p:extLst>
       <p:ext uri="{BB962C8B-B14F-4D97-AF65-F5344CB8AC3E}">
         <p14:creationId xmlns:p14="http://schemas.microsoft.com/office/powerpoint/2010/main" val="1824995197"/>
-      </p:ext>
-    </p:extLst>
-  </p:cSld>
-  <p:clrMapOvr>
-    <a:masterClrMapping/>
-  </p:clrMapOvr>
-</p:sld>
-</file>
-
-<file path=ppt/slides/slide14.xml><?xml version="1.0" encoding="utf-8"?>
-<p:sld xmlns:a="http://schemas.openxmlformats.org/drawingml/2006/main" xmlns:r="http://schemas.openxmlformats.org/officeDocument/2006/relationships" xmlns:p="http://schemas.openxmlformats.org/presentationml/2006/main">
-  <p:cSld>
-    <p:spTree>
-      <p:nvGrpSpPr>
-        <p:cNvPr id="1" name=""/>
-        <p:cNvGrpSpPr/>
-        <p:nvPr/>
-      </p:nvGrpSpPr>
-      <p:grpSpPr>
-        <a:xfrm>
-          <a:off x="0" y="0"/>
-          <a:ext cx="0" cy="0"/>
-          <a:chOff x="0" y="0"/>
-          <a:chExt cx="0" cy="0"/>
-        </a:xfrm>
-      </p:grpSpPr>
-      <p:pic>
-        <p:nvPicPr>
-          <p:cNvPr id="6" name="Picture 5">
-            <a:extLst>
-              <a:ext uri="{FF2B5EF4-FFF2-40B4-BE49-F238E27FC236}">
-                <a16:creationId xmlns:a16="http://schemas.microsoft.com/office/drawing/2014/main" id="{7D1150AD-E424-490F-A3E6-147D047AF505}"/>
-              </a:ext>
-            </a:extLst>
-          </p:cNvPr>
-          <p:cNvPicPr>
-            <a:picLocks noChangeAspect="1"/>
-          </p:cNvPicPr>
-          <p:nvPr>
-            <p:custDataLst>
-              <p:custData r:id="rId1"/>
-            </p:custDataLst>
-          </p:nvPr>
-        </p:nvPicPr>
-        <p:blipFill>
-          <a:blip r:embed="rId4"/>
-          <a:stretch>
-            <a:fillRect/>
-          </a:stretch>
-        </p:blipFill>
-        <p:spPr>
-          <a:xfrm>
-            <a:off x="-88884" y="-22188"/>
-            <a:ext cx="3183776" cy="860893"/>
-          </a:xfrm>
-          <a:prstGeom prst="rect">
-            <a:avLst/>
-          </a:prstGeom>
-        </p:spPr>
-      </p:pic>
-      <p:sp>
-        <p:nvSpPr>
-          <p:cNvPr id="4" name="Title 3">
-            <a:extLst>
-              <a:ext uri="{FF2B5EF4-FFF2-40B4-BE49-F238E27FC236}">
-                <a16:creationId xmlns:a16="http://schemas.microsoft.com/office/drawing/2014/main" id="{29D87857-8B86-4E40-B4FD-6ECD4DA8BEC6}"/>
-              </a:ext>
-            </a:extLst>
-          </p:cNvPr>
-          <p:cNvSpPr>
-            <a:spLocks noGrp="1"/>
-          </p:cNvSpPr>
-          <p:nvPr>
-            <p:ph type="ctrTitle"/>
-          </p:nvPr>
-        </p:nvSpPr>
-        <p:spPr>
-          <a:xfrm>
-            <a:off x="420888" y="838705"/>
-            <a:ext cx="11542512" cy="860893"/>
-          </a:xfrm>
-        </p:spPr>
-        <p:txBody>
-          <a:bodyPr/>
-          <a:lstStyle/>
-          <a:p>
-            <a:r>
-              <a:rPr lang="fr-BE" dirty="0"/>
-              <a:t>State vs </a:t>
-            </a:r>
-            <a:r>
-              <a:rPr lang="fr-BE" dirty="0" err="1"/>
-              <a:t>Behavior</a:t>
-            </a:r>
-            <a:r>
-              <a:rPr lang="fr-BE" dirty="0"/>
-              <a:t> </a:t>
-            </a:r>
-            <a:r>
-              <a:rPr lang="fr-BE" dirty="0" err="1"/>
-              <a:t>Testing</a:t>
-            </a:r>
-            <a:endParaRPr lang="en-BE" dirty="0"/>
-          </a:p>
-        </p:txBody>
-      </p:sp>
-      <p:sp>
-        <p:nvSpPr>
-          <p:cNvPr id="3" name="TextBox 2">
-            <a:extLst>
-              <a:ext uri="{FF2B5EF4-FFF2-40B4-BE49-F238E27FC236}">
-                <a16:creationId xmlns:a16="http://schemas.microsoft.com/office/drawing/2014/main" id="{8D7F2BCF-C00A-DB3B-11EB-B1FFF692D8EE}"/>
-              </a:ext>
-            </a:extLst>
-          </p:cNvPr>
-          <p:cNvSpPr txBox="1"/>
-          <p:nvPr/>
-        </p:nvSpPr>
-        <p:spPr>
-          <a:xfrm>
-            <a:off x="420888" y="1956230"/>
-            <a:ext cx="11891919" cy="3877280"/>
-          </a:xfrm>
-          <a:prstGeom prst="rect">
-            <a:avLst/>
-          </a:prstGeom>
-          <a:noFill/>
-        </p:spPr>
-        <p:txBody>
-          <a:bodyPr wrap="square" rtlCol="0">
-            <a:spAutoFit/>
-          </a:bodyPr>
-          <a:lstStyle/>
-          <a:p>
-            <a:pPr lvl="0">
-              <a:lnSpc>
-                <a:spcPct val="107000"/>
-              </a:lnSpc>
-            </a:pPr>
-            <a:r>
-              <a:rPr lang="en-US" sz="4800" b="1" dirty="0">
-                <a:effectLst/>
-                <a:latin typeface="Calibri" panose="020F0502020204030204" pitchFamily="34" charset="0"/>
-                <a:ea typeface="Calibri" panose="020F0502020204030204" pitchFamily="34" charset="0"/>
-                <a:cs typeface="Times New Roman" panose="02020603050405020304" pitchFamily="18" charset="0"/>
-              </a:rPr>
-              <a:t>State Testing:</a:t>
-            </a:r>
-            <a:br>
-              <a:rPr lang="en-US" sz="4800" dirty="0">
-                <a:effectLst/>
-                <a:latin typeface="Calibri" panose="020F0502020204030204" pitchFamily="34" charset="0"/>
-                <a:ea typeface="Calibri" panose="020F0502020204030204" pitchFamily="34" charset="0"/>
-                <a:cs typeface="Times New Roman" panose="02020603050405020304" pitchFamily="18" charset="0"/>
-              </a:rPr>
-            </a:br>
-            <a:r>
-              <a:rPr lang="en-US" sz="4000" dirty="0">
-                <a:effectLst/>
-                <a:latin typeface="Calibri" panose="020F0502020204030204" pitchFamily="34" charset="0"/>
-                <a:ea typeface="Calibri" panose="020F0502020204030204" pitchFamily="34" charset="0"/>
-                <a:cs typeface="Times New Roman" panose="02020603050405020304" pitchFamily="18" charset="0"/>
-              </a:rPr>
-              <a:t>Validate that a property has a certain value</a:t>
-            </a:r>
-            <a:endParaRPr lang="en-US" sz="4800" dirty="0">
-              <a:effectLst/>
-              <a:latin typeface="Calibri" panose="020F0502020204030204" pitchFamily="34" charset="0"/>
-              <a:ea typeface="Calibri" panose="020F0502020204030204" pitchFamily="34" charset="0"/>
-              <a:cs typeface="Times New Roman" panose="02020603050405020304" pitchFamily="18" charset="0"/>
-            </a:endParaRPr>
-          </a:p>
-          <a:p>
-            <a:pPr lvl="0">
-              <a:lnSpc>
-                <a:spcPct val="107000"/>
-              </a:lnSpc>
-            </a:pPr>
-            <a:endParaRPr lang="en-US" sz="4800" dirty="0">
-              <a:effectLst/>
-              <a:latin typeface="Calibri" panose="020F0502020204030204" pitchFamily="34" charset="0"/>
-              <a:ea typeface="Calibri" panose="020F0502020204030204" pitchFamily="34" charset="0"/>
-              <a:cs typeface="Times New Roman" panose="02020603050405020304" pitchFamily="18" charset="0"/>
-            </a:endParaRPr>
-          </a:p>
-          <a:p>
-            <a:pPr lvl="0">
-              <a:lnSpc>
-                <a:spcPct val="107000"/>
-              </a:lnSpc>
-            </a:pPr>
-            <a:r>
-              <a:rPr lang="en-US" sz="4800" b="1" dirty="0">
-                <a:latin typeface="Calibri" panose="020F0502020204030204" pitchFamily="34" charset="0"/>
-                <a:ea typeface="Calibri" panose="020F0502020204030204" pitchFamily="34" charset="0"/>
-                <a:cs typeface="Times New Roman" panose="02020603050405020304" pitchFamily="18" charset="0"/>
-              </a:rPr>
-              <a:t>Behavior Testing:</a:t>
-            </a:r>
-          </a:p>
-          <a:p>
-            <a:pPr lvl="0">
-              <a:lnSpc>
-                <a:spcPct val="107000"/>
-              </a:lnSpc>
-            </a:pPr>
-            <a:r>
-              <a:rPr lang="en-US" sz="4000" dirty="0">
-                <a:effectLst/>
-                <a:latin typeface="Calibri" panose="020F0502020204030204" pitchFamily="34" charset="0"/>
-                <a:ea typeface="Calibri" panose="020F0502020204030204" pitchFamily="34" charset="0"/>
-                <a:cs typeface="Times New Roman" panose="02020603050405020304" pitchFamily="18" charset="0"/>
-              </a:rPr>
-              <a:t>Validate that a method was (not) called</a:t>
-            </a:r>
-            <a:endParaRPr lang="en-BE" sz="4000" dirty="0">
-              <a:effectLst/>
-              <a:latin typeface="Calibri" panose="020F0502020204030204" pitchFamily="34" charset="0"/>
-              <a:ea typeface="Calibri" panose="020F0502020204030204" pitchFamily="34" charset="0"/>
-              <a:cs typeface="Times New Roman" panose="02020603050405020304" pitchFamily="18" charset="0"/>
-            </a:endParaRPr>
-          </a:p>
-        </p:txBody>
-      </p:sp>
-    </p:spTree>
-    <p:extLst>
-      <p:ext uri="{BB962C8B-B14F-4D97-AF65-F5344CB8AC3E}">
-        <p14:creationId xmlns:p14="http://schemas.microsoft.com/office/powerpoint/2010/main" val="4122116230"/>
       </p:ext>
     </p:extLst>
   </p:cSld>
@@ -19298,6 +19553,14 @@
 </file>
 
 <file path=customXml/itemProps1.xml><?xml version="1.0" encoding="utf-8"?>
+<ds:datastoreItem xmlns:ds="http://schemas.openxmlformats.org/officeDocument/2006/customXml" ds:itemID="{4A94AC37-B8C6-4C7A-80FD-1BB83E59137C}">
+  <ds:schemaRefs>
+    <ds:schemaRef ds:uri="http://schemas.microsoft.com/VisualStudio/2011/storyboarding/control"/>
+  </ds:schemaRefs>
+</ds:datastoreItem>
+</file>
+
+<file path=customXml/itemProps10.xml><?xml version="1.0" encoding="utf-8"?>
 <ds:datastoreItem xmlns:ds="http://schemas.openxmlformats.org/officeDocument/2006/customXml" ds:itemID="{787285B2-73EA-450E-8BD1-A7D5248937C3}">
   <ds:schemaRefs>
     <ds:schemaRef ds:uri="http://schemas.microsoft.com/VisualStudio/2011/storyboarding/control"/>
@@ -19305,7 +19568,207 @@
 </ds:datastoreItem>
 </file>
 
-<file path=customXml/itemProps10.xml><?xml version="1.0" encoding="utf-8"?>
+<file path=customXml/itemProps11.xml><?xml version="1.0" encoding="utf-8"?>
+<ds:datastoreItem xmlns:ds="http://schemas.openxmlformats.org/officeDocument/2006/customXml" ds:itemID="{ED5250E8-1F5D-4866-AE6A-F77DB7393982}">
+  <ds:schemaRefs>
+    <ds:schemaRef ds:uri="http://schemas.microsoft.com/VisualStudio/2011/storyboarding/control"/>
+  </ds:schemaRefs>
+</ds:datastoreItem>
+</file>
+
+<file path=customXml/itemProps12.xml><?xml version="1.0" encoding="utf-8"?>
+<ds:datastoreItem xmlns:ds="http://schemas.openxmlformats.org/officeDocument/2006/customXml" ds:itemID="{E8D58784-6638-42AD-B156-E7A3D4C8BF62}">
+  <ds:schemaRefs>
+    <ds:schemaRef ds:uri="http://schemas.microsoft.com/VisualStudio/2011/storyboarding/control"/>
+  </ds:schemaRefs>
+</ds:datastoreItem>
+</file>
+
+<file path=customXml/itemProps13.xml><?xml version="1.0" encoding="utf-8"?>
+<ds:datastoreItem xmlns:ds="http://schemas.openxmlformats.org/officeDocument/2006/customXml" ds:itemID="{68FE2DF9-B445-4C6D-94AE-B9AC0C91A19C}">
+  <ds:schemaRefs>
+    <ds:schemaRef ds:uri="http://schemas.microsoft.com/VisualStudio/2011/storyboarding/control"/>
+  </ds:schemaRefs>
+</ds:datastoreItem>
+</file>
+
+<file path=customXml/itemProps14.xml><?xml version="1.0" encoding="utf-8"?>
+<ds:datastoreItem xmlns:ds="http://schemas.openxmlformats.org/officeDocument/2006/customXml" ds:itemID="{5F8E4B39-2514-4CA6-AF65-B4027DBFE406}">
+  <ds:schemaRefs>
+    <ds:schemaRef ds:uri="http://schemas.microsoft.com/VisualStudio/2011/storyboarding/control"/>
+  </ds:schemaRefs>
+</ds:datastoreItem>
+</file>
+
+<file path=customXml/itemProps15.xml><?xml version="1.0" encoding="utf-8"?>
+<ds:datastoreItem xmlns:ds="http://schemas.openxmlformats.org/officeDocument/2006/customXml" ds:itemID="{83121EFB-4893-415B-B7BD-F940E893B2BD}">
+  <ds:schemaRefs>
+    <ds:schemaRef ds:uri="http://schemas.microsoft.com/VisualStudio/2011/storyboarding/control"/>
+  </ds:schemaRefs>
+</ds:datastoreItem>
+</file>
+
+<file path=customXml/itemProps16.xml><?xml version="1.0" encoding="utf-8"?>
+<ds:datastoreItem xmlns:ds="http://schemas.openxmlformats.org/officeDocument/2006/customXml" ds:itemID="{604E9F94-A623-400F-85C1-C263D07559AD}">
+  <ds:schemaRefs>
+    <ds:schemaRef ds:uri="http://schemas.microsoft.com/VisualStudio/2011/storyboarding/control"/>
+  </ds:schemaRefs>
+</ds:datastoreItem>
+</file>
+
+<file path=customXml/itemProps17.xml><?xml version="1.0" encoding="utf-8"?>
+<ds:datastoreItem xmlns:ds="http://schemas.openxmlformats.org/officeDocument/2006/customXml" ds:itemID="{18A09104-CC72-4E98-8540-170620C1745A}">
+  <ds:schemaRefs>
+    <ds:schemaRef ds:uri="http://schemas.microsoft.com/VisualStudio/2011/storyboarding/control"/>
+  </ds:schemaRefs>
+</ds:datastoreItem>
+</file>
+
+<file path=customXml/itemProps18.xml><?xml version="1.0" encoding="utf-8"?>
+<ds:datastoreItem xmlns:ds="http://schemas.openxmlformats.org/officeDocument/2006/customXml" ds:itemID="{57451104-4D84-400D-AAA1-27F07EAC0B3E}">
+  <ds:schemaRefs>
+    <ds:schemaRef ds:uri="http://schemas.microsoft.com/VisualStudio/2011/storyboarding/control"/>
+  </ds:schemaRefs>
+</ds:datastoreItem>
+</file>
+
+<file path=customXml/itemProps19.xml><?xml version="1.0" encoding="utf-8"?>
+<ds:datastoreItem xmlns:ds="http://schemas.openxmlformats.org/officeDocument/2006/customXml" ds:itemID="{C9A349EB-25C0-432F-BCC6-B672C9EAA1C2}">
+  <ds:schemaRefs>
+    <ds:schemaRef ds:uri="http://schemas.microsoft.com/VisualStudio/2011/storyboarding/control"/>
+  </ds:schemaRefs>
+</ds:datastoreItem>
+</file>
+
+<file path=customXml/itemProps2.xml><?xml version="1.0" encoding="utf-8"?>
+<ds:datastoreItem xmlns:ds="http://schemas.openxmlformats.org/officeDocument/2006/customXml" ds:itemID="{602A176D-DD9A-4555-ABCE-0CAAEBDBAF6D}">
+  <ds:schemaRefs>
+    <ds:schemaRef ds:uri="http://schemas.microsoft.com/VisualStudio/2011/storyboarding/control"/>
+  </ds:schemaRefs>
+</ds:datastoreItem>
+</file>
+
+<file path=customXml/itemProps20.xml><?xml version="1.0" encoding="utf-8"?>
+<ds:datastoreItem xmlns:ds="http://schemas.openxmlformats.org/officeDocument/2006/customXml" ds:itemID="{6D07BE54-C08A-4A00-A052-09AA9FE91835}">
+  <ds:schemaRefs>
+    <ds:schemaRef ds:uri="http://schemas.microsoft.com/VisualStudio/2011/storyboarding/control"/>
+  </ds:schemaRefs>
+</ds:datastoreItem>
+</file>
+
+<file path=customXml/itemProps21.xml><?xml version="1.0" encoding="utf-8"?>
+<ds:datastoreItem xmlns:ds="http://schemas.openxmlformats.org/officeDocument/2006/customXml" ds:itemID="{538A3BA5-1461-41DE-A994-46DB681A02E1}">
+  <ds:schemaRefs>
+    <ds:schemaRef ds:uri="http://schemas.microsoft.com/VisualStudio/2011/storyboarding/control"/>
+  </ds:schemaRefs>
+</ds:datastoreItem>
+</file>
+
+<file path=customXml/itemProps22.xml><?xml version="1.0" encoding="utf-8"?>
+<ds:datastoreItem xmlns:ds="http://schemas.openxmlformats.org/officeDocument/2006/customXml" ds:itemID="{C5DF06EE-7E2D-4E11-9A5F-0160175EBC54}">
+  <ds:schemaRefs>
+    <ds:schemaRef ds:uri="http://schemas.microsoft.com/VisualStudio/2011/storyboarding/control"/>
+  </ds:schemaRefs>
+</ds:datastoreItem>
+</file>
+
+<file path=customXml/itemProps23.xml><?xml version="1.0" encoding="utf-8"?>
+<ds:datastoreItem xmlns:ds="http://schemas.openxmlformats.org/officeDocument/2006/customXml" ds:itemID="{7FD07C00-8772-4422-9EF2-C41B1EE08BC1}">
+  <ds:schemaRefs>
+    <ds:schemaRef ds:uri="http://schemas.microsoft.com/VisualStudio/2011/storyboarding/control"/>
+  </ds:schemaRefs>
+</ds:datastoreItem>
+</file>
+
+<file path=customXml/itemProps24.xml><?xml version="1.0" encoding="utf-8"?>
+<ds:datastoreItem xmlns:ds="http://schemas.openxmlformats.org/officeDocument/2006/customXml" ds:itemID="{753CD8B4-040B-4198-BB4B-EC3E69834A34}">
+  <ds:schemaRefs>
+    <ds:schemaRef ds:uri="http://schemas.microsoft.com/VisualStudio/2011/storyboarding/control"/>
+  </ds:schemaRefs>
+</ds:datastoreItem>
+</file>
+
+<file path=customXml/itemProps25.xml><?xml version="1.0" encoding="utf-8"?>
+<ds:datastoreItem xmlns:ds="http://schemas.openxmlformats.org/officeDocument/2006/customXml" ds:itemID="{DA8DFECD-CF6E-4553-8828-1176E5D29DA6}">
+  <ds:schemaRefs>
+    <ds:schemaRef ds:uri="http://schemas.microsoft.com/VisualStudio/2011/storyboarding/control"/>
+  </ds:schemaRefs>
+</ds:datastoreItem>
+</file>
+
+<file path=customXml/itemProps26.xml><?xml version="1.0" encoding="utf-8"?>
+<ds:datastoreItem xmlns:ds="http://schemas.openxmlformats.org/officeDocument/2006/customXml" ds:itemID="{D12F2BFF-C618-42A7-A799-D8722515C0FA}">
+  <ds:schemaRefs>
+    <ds:schemaRef ds:uri="http://schemas.microsoft.com/VisualStudio/2011/storyboarding/control"/>
+  </ds:schemaRefs>
+</ds:datastoreItem>
+</file>
+
+<file path=customXml/itemProps27.xml><?xml version="1.0" encoding="utf-8"?>
+<ds:datastoreItem xmlns:ds="http://schemas.openxmlformats.org/officeDocument/2006/customXml" ds:itemID="{F0F1AE6D-CE96-405A-BBB8-FBC1367D7C33}">
+  <ds:schemaRefs>
+    <ds:schemaRef ds:uri="http://schemas.microsoft.com/VisualStudio/2011/storyboarding/control"/>
+  </ds:schemaRefs>
+</ds:datastoreItem>
+</file>
+
+<file path=customXml/itemProps28.xml><?xml version="1.0" encoding="utf-8"?>
+<ds:datastoreItem xmlns:ds="http://schemas.openxmlformats.org/officeDocument/2006/customXml" ds:itemID="{39CDCB66-237D-4952-997D-4EBC8293DA25}">
+  <ds:schemaRefs>
+    <ds:schemaRef ds:uri="http://schemas.microsoft.com/VisualStudio/2011/storyboarding/control"/>
+  </ds:schemaRefs>
+</ds:datastoreItem>
+</file>
+
+<file path=customXml/itemProps29.xml><?xml version="1.0" encoding="utf-8"?>
+<ds:datastoreItem xmlns:ds="http://schemas.openxmlformats.org/officeDocument/2006/customXml" ds:itemID="{4B135E7A-A1EC-44CC-9E9A-E2232C7A5BDB}">
+  <ds:schemaRefs>
+    <ds:schemaRef ds:uri="http://schemas.microsoft.com/VisualStudio/2011/storyboarding/control"/>
+  </ds:schemaRefs>
+</ds:datastoreItem>
+</file>
+
+<file path=customXml/itemProps3.xml><?xml version="1.0" encoding="utf-8"?>
+<ds:datastoreItem xmlns:ds="http://schemas.openxmlformats.org/officeDocument/2006/customXml" ds:itemID="{27E6D0F4-73A0-421D-92D0-049E8989F9EF}">
+  <ds:schemaRefs>
+    <ds:schemaRef ds:uri="http://schemas.microsoft.com/VisualStudio/2011/storyboarding/control"/>
+  </ds:schemaRefs>
+</ds:datastoreItem>
+</file>
+
+<file path=customXml/itemProps30.xml><?xml version="1.0" encoding="utf-8"?>
+<ds:datastoreItem xmlns:ds="http://schemas.openxmlformats.org/officeDocument/2006/customXml" ds:itemID="{D4810685-38F8-4208-92FA-8B9E76143B8E}">
+  <ds:schemaRefs>
+    <ds:schemaRef ds:uri="http://schemas.microsoft.com/VisualStudio/2011/storyboarding/control"/>
+  </ds:schemaRefs>
+</ds:datastoreItem>
+</file>
+
+<file path=customXml/itemProps31.xml><?xml version="1.0" encoding="utf-8"?>
+<ds:datastoreItem xmlns:ds="http://schemas.openxmlformats.org/officeDocument/2006/customXml" ds:itemID="{370599EE-380D-4550-AD41-47FBF035B53B}">
+  <ds:schemaRefs>
+    <ds:schemaRef ds:uri="http://schemas.microsoft.com/VisualStudio/2011/storyboarding/control"/>
+  </ds:schemaRefs>
+</ds:datastoreItem>
+</file>
+
+<file path=customXml/itemProps32.xml><?xml version="1.0" encoding="utf-8"?>
+<ds:datastoreItem xmlns:ds="http://schemas.openxmlformats.org/officeDocument/2006/customXml" ds:itemID="{BFA611A4-E7DD-4603-BB6A-2164CBF6DB8C}">
+  <ds:schemaRefs>
+    <ds:schemaRef ds:uri="http://schemas.microsoft.com/VisualStudio/2011/storyboarding/control"/>
+  </ds:schemaRefs>
+</ds:datastoreItem>
+</file>
+
+<file path=customXml/itemProps33.xml><?xml version="1.0" encoding="utf-8"?>
+<ds:datastoreItem xmlns:ds="http://schemas.openxmlformats.org/officeDocument/2006/customXml" ds:itemID="{0848ACBE-87D0-4803-BD51-9B04C838E1C7}">
+  <ds:schemaRefs>
+    <ds:schemaRef ds:uri="http://schemas.microsoft.com/VisualStudio/2011/storyboarding/control"/>
+  </ds:schemaRefs>
+</ds:datastoreItem>
+</file>
+
+<file path=customXml/itemProps4.xml><?xml version="1.0" encoding="utf-8"?>
 <ds:datastoreItem xmlns:ds="http://schemas.openxmlformats.org/officeDocument/2006/customXml" ds:itemID="{C8E92FC1-ACA4-4D24-98DC-65503334C51B}">
   <ds:schemaRefs>
     <ds:schemaRef ds:uri="http://schemas.microsoft.com/VisualStudio/2011/storyboarding/control"/>
@@ -19313,63 +19776,7 @@
 </ds:datastoreItem>
 </file>
 
-<file path=customXml/itemProps11.xml><?xml version="1.0" encoding="utf-8"?>
-<ds:datastoreItem xmlns:ds="http://schemas.openxmlformats.org/officeDocument/2006/customXml" ds:itemID="{5F8E4B39-2514-4CA6-AF65-B4027DBFE406}">
-  <ds:schemaRefs>
-    <ds:schemaRef ds:uri="http://schemas.microsoft.com/VisualStudio/2011/storyboarding/control"/>
-  </ds:schemaRefs>
-</ds:datastoreItem>
-</file>
-
-<file path=customXml/itemProps12.xml><?xml version="1.0" encoding="utf-8"?>
-<ds:datastoreItem xmlns:ds="http://schemas.openxmlformats.org/officeDocument/2006/customXml" ds:itemID="{154FACEB-F3BF-4191-AE2E-67A5B5DFFA27}">
-  <ds:schemaRefs>
-    <ds:schemaRef ds:uri="http://schemas.microsoft.com/VisualStudio/2011/storyboarding/control"/>
-  </ds:schemaRefs>
-</ds:datastoreItem>
-</file>
-
-<file path=customXml/itemProps13.xml><?xml version="1.0" encoding="utf-8"?>
-<ds:datastoreItem xmlns:ds="http://schemas.openxmlformats.org/officeDocument/2006/customXml" ds:itemID="{DA8DFECD-CF6E-4553-8828-1176E5D29DA6}">
-  <ds:schemaRefs>
-    <ds:schemaRef ds:uri="http://schemas.microsoft.com/VisualStudio/2011/storyboarding/control"/>
-  </ds:schemaRefs>
-</ds:datastoreItem>
-</file>
-
-<file path=customXml/itemProps14.xml><?xml version="1.0" encoding="utf-8"?>
-<ds:datastoreItem xmlns:ds="http://schemas.openxmlformats.org/officeDocument/2006/customXml" ds:itemID="{83121EFB-4893-415B-B7BD-F940E893B2BD}">
-  <ds:schemaRefs>
-    <ds:schemaRef ds:uri="http://schemas.microsoft.com/VisualStudio/2011/storyboarding/control"/>
-  </ds:schemaRefs>
-</ds:datastoreItem>
-</file>
-
-<file path=customXml/itemProps15.xml><?xml version="1.0" encoding="utf-8"?>
-<ds:datastoreItem xmlns:ds="http://schemas.openxmlformats.org/officeDocument/2006/customXml" ds:itemID="{602A176D-DD9A-4555-ABCE-0CAAEBDBAF6D}">
-  <ds:schemaRefs>
-    <ds:schemaRef ds:uri="http://schemas.microsoft.com/VisualStudio/2011/storyboarding/control"/>
-  </ds:schemaRefs>
-</ds:datastoreItem>
-</file>
-
-<file path=customXml/itemProps16.xml><?xml version="1.0" encoding="utf-8"?>
-<ds:datastoreItem xmlns:ds="http://schemas.openxmlformats.org/officeDocument/2006/customXml" ds:itemID="{0848ACBE-87D0-4803-BD51-9B04C838E1C7}">
-  <ds:schemaRefs>
-    <ds:schemaRef ds:uri="http://schemas.microsoft.com/VisualStudio/2011/storyboarding/control"/>
-  </ds:schemaRefs>
-</ds:datastoreItem>
-</file>
-
-<file path=customXml/itemProps17.xml><?xml version="1.0" encoding="utf-8"?>
-<ds:datastoreItem xmlns:ds="http://schemas.openxmlformats.org/officeDocument/2006/customXml" ds:itemID="{7FD07C00-8772-4422-9EF2-C41B1EE08BC1}">
-  <ds:schemaRefs>
-    <ds:schemaRef ds:uri="http://schemas.microsoft.com/VisualStudio/2011/storyboarding/control"/>
-  </ds:schemaRefs>
-</ds:datastoreItem>
-</file>
-
-<file path=customXml/itemProps18.xml><?xml version="1.0" encoding="utf-8"?>
+<file path=customXml/itemProps5.xml><?xml version="1.0" encoding="utf-8"?>
 <ds:datastoreItem xmlns:ds="http://schemas.openxmlformats.org/officeDocument/2006/customXml" ds:itemID="{C909926A-E528-4870-B471-51E49E6FDDDA}">
   <ds:schemaRefs>
     <ds:schemaRef ds:uri="http://schemas.microsoft.com/VisualStudio/2011/storyboarding/control"/>
@@ -19377,79 +19784,15 @@
 </ds:datastoreItem>
 </file>
 
-<file path=customXml/itemProps19.xml><?xml version="1.0" encoding="utf-8"?>
-<ds:datastoreItem xmlns:ds="http://schemas.openxmlformats.org/officeDocument/2006/customXml" ds:itemID="{4A94AC37-B8C6-4C7A-80FD-1BB83E59137C}">
+<file path=customXml/itemProps6.xml><?xml version="1.0" encoding="utf-8"?>
+<ds:datastoreItem xmlns:ds="http://schemas.openxmlformats.org/officeDocument/2006/customXml" ds:itemID="{56EB5809-7D20-4256-A68D-4622C77D541A}">
   <ds:schemaRefs>
     <ds:schemaRef ds:uri="http://schemas.microsoft.com/VisualStudio/2011/storyboarding/control"/>
   </ds:schemaRefs>
 </ds:datastoreItem>
 </file>
 
-<file path=customXml/itemProps2.xml><?xml version="1.0" encoding="utf-8"?>
-<ds:datastoreItem xmlns:ds="http://schemas.openxmlformats.org/officeDocument/2006/customXml" ds:itemID="{6D07BE54-C08A-4A00-A052-09AA9FE91835}">
-  <ds:schemaRefs>
-    <ds:schemaRef ds:uri="http://schemas.microsoft.com/VisualStudio/2011/storyboarding/control"/>
-  </ds:schemaRefs>
-</ds:datastoreItem>
-</file>
-
-<file path=customXml/itemProps20.xml><?xml version="1.0" encoding="utf-8"?>
-<ds:datastoreItem xmlns:ds="http://schemas.openxmlformats.org/officeDocument/2006/customXml" ds:itemID="{4B135E7A-A1EC-44CC-9E9A-E2232C7A5BDB}">
-  <ds:schemaRefs>
-    <ds:schemaRef ds:uri="http://schemas.microsoft.com/VisualStudio/2011/storyboarding/control"/>
-  </ds:schemaRefs>
-</ds:datastoreItem>
-</file>
-
-<file path=customXml/itemProps21.xml><?xml version="1.0" encoding="utf-8"?>
-<ds:datastoreItem xmlns:ds="http://schemas.openxmlformats.org/officeDocument/2006/customXml" ds:itemID="{D4810685-38F8-4208-92FA-8B9E76143B8E}">
-  <ds:schemaRefs>
-    <ds:schemaRef ds:uri="http://schemas.microsoft.com/VisualStudio/2011/storyboarding/control"/>
-  </ds:schemaRefs>
-</ds:datastoreItem>
-</file>
-
-<file path=customXml/itemProps22.xml><?xml version="1.0" encoding="utf-8"?>
-<ds:datastoreItem xmlns:ds="http://schemas.openxmlformats.org/officeDocument/2006/customXml" ds:itemID="{F0F1AE6D-CE96-405A-BBB8-FBC1367D7C33}">
-  <ds:schemaRefs>
-    <ds:schemaRef ds:uri="http://schemas.microsoft.com/VisualStudio/2011/storyboarding/control"/>
-  </ds:schemaRefs>
-</ds:datastoreItem>
-</file>
-
-<file path=customXml/itemProps23.xml><?xml version="1.0" encoding="utf-8"?>
-<ds:datastoreItem xmlns:ds="http://schemas.openxmlformats.org/officeDocument/2006/customXml" ds:itemID="{68FE2DF9-B445-4C6D-94AE-B9AC0C91A19C}">
-  <ds:schemaRefs>
-    <ds:schemaRef ds:uri="http://schemas.microsoft.com/VisualStudio/2011/storyboarding/control"/>
-  </ds:schemaRefs>
-</ds:datastoreItem>
-</file>
-
-<file path=customXml/itemProps24.xml><?xml version="1.0" encoding="utf-8"?>
-<ds:datastoreItem xmlns:ds="http://schemas.openxmlformats.org/officeDocument/2006/customXml" ds:itemID="{39CDCB66-237D-4952-997D-4EBC8293DA25}">
-  <ds:schemaRefs>
-    <ds:schemaRef ds:uri="http://schemas.microsoft.com/VisualStudio/2011/storyboarding/control"/>
-  </ds:schemaRefs>
-</ds:datastoreItem>
-</file>
-
-<file path=customXml/itemProps25.xml><?xml version="1.0" encoding="utf-8"?>
-<ds:datastoreItem xmlns:ds="http://schemas.openxmlformats.org/officeDocument/2006/customXml" ds:itemID="{27E6D0F4-73A0-421D-92D0-049E8989F9EF}">
-  <ds:schemaRefs>
-    <ds:schemaRef ds:uri="http://schemas.microsoft.com/VisualStudio/2011/storyboarding/control"/>
-  </ds:schemaRefs>
-</ds:datastoreItem>
-</file>
-
-<file path=customXml/itemProps26.xml><?xml version="1.0" encoding="utf-8"?>
-<ds:datastoreItem xmlns:ds="http://schemas.openxmlformats.org/officeDocument/2006/customXml" ds:itemID="{57451104-4D84-400D-AAA1-27F07EAC0B3E}">
-  <ds:schemaRefs>
-    <ds:schemaRef ds:uri="http://schemas.microsoft.com/VisualStudio/2011/storyboarding/control"/>
-  </ds:schemaRefs>
-</ds:datastoreItem>
-</file>
-
-<file path=customXml/itemProps27.xml><?xml version="1.0" encoding="utf-8"?>
+<file path=customXml/itemProps7.xml><?xml version="1.0" encoding="utf-8"?>
 <ds:datastoreItem xmlns:ds="http://schemas.openxmlformats.org/officeDocument/2006/customXml" ds:itemID="{3331FA1E-2E43-48FF-A342-CCAB98704884}">
   <ds:schemaRefs>
     <ds:schemaRef ds:uri="http://schemas.microsoft.com/VisualStudio/2011/storyboarding/control"/>
@@ -19457,47 +19800,7 @@
 </ds:datastoreItem>
 </file>
 
-<file path=customXml/itemProps28.xml><?xml version="1.0" encoding="utf-8"?>
-<ds:datastoreItem xmlns:ds="http://schemas.openxmlformats.org/officeDocument/2006/customXml" ds:itemID="{D12F2BFF-C618-42A7-A799-D8722515C0FA}">
-  <ds:schemaRefs>
-    <ds:schemaRef ds:uri="http://schemas.microsoft.com/VisualStudio/2011/storyboarding/control"/>
-  </ds:schemaRefs>
-</ds:datastoreItem>
-</file>
-
-<file path=customXml/itemProps29.xml><?xml version="1.0" encoding="utf-8"?>
-<ds:datastoreItem xmlns:ds="http://schemas.openxmlformats.org/officeDocument/2006/customXml" ds:itemID="{E8D58784-6638-42AD-B156-E7A3D4C8BF62}">
-  <ds:schemaRefs>
-    <ds:schemaRef ds:uri="http://schemas.microsoft.com/VisualStudio/2011/storyboarding/control"/>
-  </ds:schemaRefs>
-</ds:datastoreItem>
-</file>
-
-<file path=customXml/itemProps3.xml><?xml version="1.0" encoding="utf-8"?>
-<ds:datastoreItem xmlns:ds="http://schemas.openxmlformats.org/officeDocument/2006/customXml" ds:itemID="{370599EE-380D-4550-AD41-47FBF035B53B}">
-  <ds:schemaRefs>
-    <ds:schemaRef ds:uri="http://schemas.microsoft.com/VisualStudio/2011/storyboarding/control"/>
-  </ds:schemaRefs>
-</ds:datastoreItem>
-</file>
-
-<file path=customXml/itemProps30.xml><?xml version="1.0" encoding="utf-8"?>
-<ds:datastoreItem xmlns:ds="http://schemas.openxmlformats.org/officeDocument/2006/customXml" ds:itemID="{C5DF06EE-7E2D-4E11-9A5F-0160175EBC54}">
-  <ds:schemaRefs>
-    <ds:schemaRef ds:uri="http://schemas.microsoft.com/VisualStudio/2011/storyboarding/control"/>
-  </ds:schemaRefs>
-</ds:datastoreItem>
-</file>
-
-<file path=customXml/itemProps31.xml><?xml version="1.0" encoding="utf-8"?>
-<ds:datastoreItem xmlns:ds="http://schemas.openxmlformats.org/officeDocument/2006/customXml" ds:itemID="{18A09104-CC72-4E98-8540-170620C1745A}">
-  <ds:schemaRefs>
-    <ds:schemaRef ds:uri="http://schemas.microsoft.com/VisualStudio/2011/storyboarding/control"/>
-  </ds:schemaRefs>
-</ds:datastoreItem>
-</file>
-
-<file path=customXml/itemProps32.xml><?xml version="1.0" encoding="utf-8"?>
+<file path=customXml/itemProps8.xml><?xml version="1.0" encoding="utf-8"?>
 <ds:datastoreItem xmlns:ds="http://schemas.openxmlformats.org/officeDocument/2006/customXml" ds:itemID="{E0DB0C50-63E4-4721-BA81-8371246A9C9E}">
   <ds:schemaRefs>
     <ds:schemaRef ds:uri="http://schemas.microsoft.com/VisualStudio/2011/storyboarding/control"/>
@@ -19505,56 +19808,8 @@
 </ds:datastoreItem>
 </file>
 
-<file path=customXml/itemProps33.xml><?xml version="1.0" encoding="utf-8"?>
-<ds:datastoreItem xmlns:ds="http://schemas.openxmlformats.org/officeDocument/2006/customXml" ds:itemID="{604E9F94-A623-400F-85C1-C263D07559AD}">
-  <ds:schemaRefs>
-    <ds:schemaRef ds:uri="http://schemas.microsoft.com/VisualStudio/2011/storyboarding/control"/>
-  </ds:schemaRefs>
-</ds:datastoreItem>
-</file>
-
-<file path=customXml/itemProps4.xml><?xml version="1.0" encoding="utf-8"?>
-<ds:datastoreItem xmlns:ds="http://schemas.openxmlformats.org/officeDocument/2006/customXml" ds:itemID="{BFA611A4-E7DD-4603-BB6A-2164CBF6DB8C}">
-  <ds:schemaRefs>
-    <ds:schemaRef ds:uri="http://schemas.microsoft.com/VisualStudio/2011/storyboarding/control"/>
-  </ds:schemaRefs>
-</ds:datastoreItem>
-</file>
-
-<file path=customXml/itemProps5.xml><?xml version="1.0" encoding="utf-8"?>
-<ds:datastoreItem xmlns:ds="http://schemas.openxmlformats.org/officeDocument/2006/customXml" ds:itemID="{538A3BA5-1461-41DE-A994-46DB681A02E1}">
-  <ds:schemaRefs>
-    <ds:schemaRef ds:uri="http://schemas.microsoft.com/VisualStudio/2011/storyboarding/control"/>
-  </ds:schemaRefs>
-</ds:datastoreItem>
-</file>
-
-<file path=customXml/itemProps6.xml><?xml version="1.0" encoding="utf-8"?>
-<ds:datastoreItem xmlns:ds="http://schemas.openxmlformats.org/officeDocument/2006/customXml" ds:itemID="{753CD8B4-040B-4198-BB4B-EC3E69834A34}">
-  <ds:schemaRefs>
-    <ds:schemaRef ds:uri="http://schemas.microsoft.com/VisualStudio/2011/storyboarding/control"/>
-  </ds:schemaRefs>
-</ds:datastoreItem>
-</file>
-
-<file path=customXml/itemProps7.xml><?xml version="1.0" encoding="utf-8"?>
-<ds:datastoreItem xmlns:ds="http://schemas.openxmlformats.org/officeDocument/2006/customXml" ds:itemID="{56EB5809-7D20-4256-A68D-4622C77D541A}">
-  <ds:schemaRefs>
-    <ds:schemaRef ds:uri="http://schemas.microsoft.com/VisualStudio/2011/storyboarding/control"/>
-  </ds:schemaRefs>
-</ds:datastoreItem>
-</file>
-
-<file path=customXml/itemProps8.xml><?xml version="1.0" encoding="utf-8"?>
-<ds:datastoreItem xmlns:ds="http://schemas.openxmlformats.org/officeDocument/2006/customXml" ds:itemID="{C9A349EB-25C0-432F-BCC6-B672C9EAA1C2}">
-  <ds:schemaRefs>
-    <ds:schemaRef ds:uri="http://schemas.microsoft.com/VisualStudio/2011/storyboarding/control"/>
-  </ds:schemaRefs>
-</ds:datastoreItem>
-</file>
-
 <file path=customXml/itemProps9.xml><?xml version="1.0" encoding="utf-8"?>
-<ds:datastoreItem xmlns:ds="http://schemas.openxmlformats.org/officeDocument/2006/customXml" ds:itemID="{ED5250E8-1F5D-4866-AE6A-F77DB7393982}">
+<ds:datastoreItem xmlns:ds="http://schemas.openxmlformats.org/officeDocument/2006/customXml" ds:itemID="{154FACEB-F3BF-4191-AE2E-67A5B5DFFA27}">
   <ds:schemaRefs>
     <ds:schemaRef ds:uri="http://schemas.microsoft.com/VisualStudio/2011/storyboarding/control"/>
   </ds:schemaRefs>
